--- a/Term3/PresentationMidPoint.pptx
+++ b/Term3/PresentationMidPoint.pptx
@@ -5,9 +5,10 @@
     <p:sldMasterId id="2147483648" r:id="rId1"/>
   </p:sldMasterIdLst>
   <p:sldIdLst>
-    <p:sldId id="258" r:id="rId2"/>
-    <p:sldId id="256" r:id="rId3"/>
-    <p:sldId id="257" r:id="rId4"/>
+    <p:sldId id="259" r:id="rId2"/>
+    <p:sldId id="258" r:id="rId3"/>
+    <p:sldId id="256" r:id="rId4"/>
+    <p:sldId id="257" r:id="rId5"/>
   </p:sldIdLst>
   <p:sldSz cx="12192000" cy="6858000"/>
   <p:notesSz cx="6858000" cy="9144000"/>
@@ -106,6 +107,11 @@
       </a:defRPr>
     </a:lvl9pPr>
   </p:defaultTextStyle>
+  <p:extLst>
+    <p:ext uri="{EFAFB233-063F-42B5-8137-9DF3F51BA10A}">
+      <p15:sldGuideLst xmlns:p15="http://schemas.microsoft.com/office/powerpoint/2012/main"/>
+    </p:ext>
+  </p:extLst>
 </p:presentation>
 </file>
 
@@ -256,7 +262,7 @@
           <a:p>
             <a:fld id="{69E1D0DD-5C63-4532-9022-AA7146887E64}" type="datetimeFigureOut">
               <a:rPr lang="en-GB" smtClean="0"/>
-              <a:t>21/06/2023</a:t>
+              <a:t>28/06/2023</a:t>
             </a:fld>
             <a:endParaRPr lang="en-GB"/>
           </a:p>
@@ -454,7 +460,7 @@
           <a:p>
             <a:fld id="{69E1D0DD-5C63-4532-9022-AA7146887E64}" type="datetimeFigureOut">
               <a:rPr lang="en-GB" smtClean="0"/>
-              <a:t>21/06/2023</a:t>
+              <a:t>28/06/2023</a:t>
             </a:fld>
             <a:endParaRPr lang="en-GB"/>
           </a:p>
@@ -662,7 +668,7 @@
           <a:p>
             <a:fld id="{69E1D0DD-5C63-4532-9022-AA7146887E64}" type="datetimeFigureOut">
               <a:rPr lang="en-GB" smtClean="0"/>
-              <a:t>21/06/2023</a:t>
+              <a:t>28/06/2023</a:t>
             </a:fld>
             <a:endParaRPr lang="en-GB"/>
           </a:p>
@@ -860,7 +866,7 @@
           <a:p>
             <a:fld id="{69E1D0DD-5C63-4532-9022-AA7146887E64}" type="datetimeFigureOut">
               <a:rPr lang="en-GB" smtClean="0"/>
-              <a:t>21/06/2023</a:t>
+              <a:t>28/06/2023</a:t>
             </a:fld>
             <a:endParaRPr lang="en-GB"/>
           </a:p>
@@ -1135,7 +1141,7 @@
           <a:p>
             <a:fld id="{69E1D0DD-5C63-4532-9022-AA7146887E64}" type="datetimeFigureOut">
               <a:rPr lang="en-GB" smtClean="0"/>
-              <a:t>21/06/2023</a:t>
+              <a:t>28/06/2023</a:t>
             </a:fld>
             <a:endParaRPr lang="en-GB"/>
           </a:p>
@@ -1400,7 +1406,7 @@
           <a:p>
             <a:fld id="{69E1D0DD-5C63-4532-9022-AA7146887E64}" type="datetimeFigureOut">
               <a:rPr lang="en-GB" smtClean="0"/>
-              <a:t>21/06/2023</a:t>
+              <a:t>28/06/2023</a:t>
             </a:fld>
             <a:endParaRPr lang="en-GB"/>
           </a:p>
@@ -1812,7 +1818,7 @@
           <a:p>
             <a:fld id="{69E1D0DD-5C63-4532-9022-AA7146887E64}" type="datetimeFigureOut">
               <a:rPr lang="en-GB" smtClean="0"/>
-              <a:t>21/06/2023</a:t>
+              <a:t>28/06/2023</a:t>
             </a:fld>
             <a:endParaRPr lang="en-GB"/>
           </a:p>
@@ -1953,7 +1959,7 @@
           <a:p>
             <a:fld id="{69E1D0DD-5C63-4532-9022-AA7146887E64}" type="datetimeFigureOut">
               <a:rPr lang="en-GB" smtClean="0"/>
-              <a:t>21/06/2023</a:t>
+              <a:t>28/06/2023</a:t>
             </a:fld>
             <a:endParaRPr lang="en-GB"/>
           </a:p>
@@ -2066,7 +2072,7 @@
           <a:p>
             <a:fld id="{69E1D0DD-5C63-4532-9022-AA7146887E64}" type="datetimeFigureOut">
               <a:rPr lang="en-GB" smtClean="0"/>
-              <a:t>21/06/2023</a:t>
+              <a:t>28/06/2023</a:t>
             </a:fld>
             <a:endParaRPr lang="en-GB"/>
           </a:p>
@@ -2377,7 +2383,7 @@
           <a:p>
             <a:fld id="{69E1D0DD-5C63-4532-9022-AA7146887E64}" type="datetimeFigureOut">
               <a:rPr lang="en-GB" smtClean="0"/>
-              <a:t>21/06/2023</a:t>
+              <a:t>28/06/2023</a:t>
             </a:fld>
             <a:endParaRPr lang="en-GB"/>
           </a:p>
@@ -2665,7 +2671,7 @@
           <a:p>
             <a:fld id="{69E1D0DD-5C63-4532-9022-AA7146887E64}" type="datetimeFigureOut">
               <a:rPr lang="en-GB" smtClean="0"/>
-              <a:t>21/06/2023</a:t>
+              <a:t>28/06/2023</a:t>
             </a:fld>
             <a:endParaRPr lang="en-GB"/>
           </a:p>
@@ -2906,7 +2912,7 @@
           <a:p>
             <a:fld id="{69E1D0DD-5C63-4532-9022-AA7146887E64}" type="datetimeFigureOut">
               <a:rPr lang="en-GB" smtClean="0"/>
-              <a:t>21/06/2023</a:t>
+              <a:t>28/06/2023</a:t>
             </a:fld>
             <a:endParaRPr lang="en-GB"/>
           </a:p>
@@ -3328,6 +3334,102 @@
           <p:cNvPr id="2" name="Title 1">
             <a:extLst>
               <a:ext uri="{FF2B5EF4-FFF2-40B4-BE49-F238E27FC236}">
+                <a16:creationId xmlns:a16="http://schemas.microsoft.com/office/drawing/2014/main" id="{77C5F8AB-5712-327A-88DD-DA666F3D6524}"/>
+              </a:ext>
+            </a:extLst>
+          </p:cNvPr>
+          <p:cNvSpPr>
+            <a:spLocks noGrp="1"/>
+          </p:cNvSpPr>
+          <p:nvPr>
+            <p:ph type="title"/>
+          </p:nvPr>
+        </p:nvSpPr>
+        <p:spPr/>
+        <p:txBody>
+          <a:bodyPr>
+            <a:noAutofit/>
+          </a:bodyPr>
+          <a:lstStyle/>
+          <a:p>
+            <a:r>
+              <a:rPr lang="en-GB" sz="3200" dirty="0"/>
+              <a:t>What are the performance characteristics, efficiency, and impact of modifications on the data queue within a data processing framework?</a:t>
+            </a:r>
+          </a:p>
+        </p:txBody>
+      </p:sp>
+      <p:pic>
+        <p:nvPicPr>
+          <p:cNvPr id="4" name="Picture 3" descr="A diagram of data pipeline">
+            <a:extLst>
+              <a:ext uri="{FF2B5EF4-FFF2-40B4-BE49-F238E27FC236}">
+                <a16:creationId xmlns:a16="http://schemas.microsoft.com/office/drawing/2014/main" id="{38B4F3D6-5D27-FF97-166E-BE2009CD7FE3}"/>
+              </a:ext>
+            </a:extLst>
+          </p:cNvPr>
+          <p:cNvPicPr>
+            <a:picLocks noChangeAspect="1"/>
+          </p:cNvPicPr>
+          <p:nvPr/>
+        </p:nvPicPr>
+        <p:blipFill>
+          <a:blip r:embed="rId2">
+            <a:extLst>
+              <a:ext uri="{28A0092B-C50C-407E-A947-70E740481C1C}">
+                <a14:useLocalDpi xmlns:a14="http://schemas.microsoft.com/office/drawing/2010/main" val="0"/>
+              </a:ext>
+            </a:extLst>
+          </a:blip>
+          <a:stretch>
+            <a:fillRect/>
+          </a:stretch>
+        </p:blipFill>
+        <p:spPr>
+          <a:xfrm>
+            <a:off x="1925993" y="1907721"/>
+            <a:ext cx="7460603" cy="4662877"/>
+          </a:xfrm>
+          <a:prstGeom prst="rect">
+            <a:avLst/>
+          </a:prstGeom>
+        </p:spPr>
+      </p:pic>
+    </p:spTree>
+    <p:extLst>
+      <p:ext uri="{BB962C8B-B14F-4D97-AF65-F5344CB8AC3E}">
+        <p14:creationId xmlns:p14="http://schemas.microsoft.com/office/powerpoint/2010/main" val="696336415"/>
+      </p:ext>
+    </p:extLst>
+  </p:cSld>
+  <p:clrMapOvr>
+    <a:masterClrMapping/>
+  </p:clrMapOvr>
+</p:sld>
+</file>
+
+<file path=ppt/slides/slide2.xml><?xml version="1.0" encoding="utf-8"?>
+<p:sld xmlns:a="http://schemas.openxmlformats.org/drawingml/2006/main" xmlns:r="http://schemas.openxmlformats.org/officeDocument/2006/relationships" xmlns:p="http://schemas.openxmlformats.org/presentationml/2006/main">
+  <p:cSld>
+    <p:spTree>
+      <p:nvGrpSpPr>
+        <p:cNvPr id="1" name=""/>
+        <p:cNvGrpSpPr/>
+        <p:nvPr/>
+      </p:nvGrpSpPr>
+      <p:grpSpPr>
+        <a:xfrm>
+          <a:off x="0" y="0"/>
+          <a:ext cx="0" cy="0"/>
+          <a:chOff x="0" y="0"/>
+          <a:chExt cx="0" cy="0"/>
+        </a:xfrm>
+      </p:grpSpPr>
+      <p:sp>
+        <p:nvSpPr>
+          <p:cNvPr id="2" name="Title 1">
+            <a:extLst>
+              <a:ext uri="{FF2B5EF4-FFF2-40B4-BE49-F238E27FC236}">
                 <a16:creationId xmlns:a16="http://schemas.microsoft.com/office/drawing/2014/main" id="{F892CF55-4B0A-2F62-D1A4-01AA11EAED54}"/>
               </a:ext>
             </a:extLst>
@@ -3422,96 +3524,6 @@
 </p:sld>
 </file>
 
-<file path=ppt/slides/slide2.xml><?xml version="1.0" encoding="utf-8"?>
-<p:sld xmlns:a="http://schemas.openxmlformats.org/drawingml/2006/main" xmlns:r="http://schemas.openxmlformats.org/officeDocument/2006/relationships" xmlns:p="http://schemas.openxmlformats.org/presentationml/2006/main">
-  <p:cSld>
-    <p:spTree>
-      <p:nvGrpSpPr>
-        <p:cNvPr id="1" name=""/>
-        <p:cNvGrpSpPr/>
-        <p:nvPr/>
-      </p:nvGrpSpPr>
-      <p:grpSpPr>
-        <a:xfrm>
-          <a:off x="0" y="0"/>
-          <a:ext cx="0" cy="0"/>
-          <a:chOff x="0" y="0"/>
-          <a:chExt cx="0" cy="0"/>
-        </a:xfrm>
-      </p:grpSpPr>
-      <p:sp>
-        <p:nvSpPr>
-          <p:cNvPr id="2" name="Title 1">
-            <a:extLst>
-              <a:ext uri="{FF2B5EF4-FFF2-40B4-BE49-F238E27FC236}">
-                <a16:creationId xmlns:a16="http://schemas.microsoft.com/office/drawing/2014/main" id="{F892CF55-4B0A-2F62-D1A4-01AA11EAED54}"/>
-              </a:ext>
-            </a:extLst>
-          </p:cNvPr>
-          <p:cNvSpPr>
-            <a:spLocks noGrp="1"/>
-          </p:cNvSpPr>
-          <p:nvPr>
-            <p:ph type="ctrTitle"/>
-          </p:nvPr>
-        </p:nvSpPr>
-        <p:spPr>
-          <a:xfrm>
-            <a:off x="1794588" y="357252"/>
-            <a:ext cx="9144000" cy="4569310"/>
-          </a:xfrm>
-        </p:spPr>
-        <p:txBody>
-          <a:bodyPr>
-            <a:normAutofit/>
-          </a:bodyPr>
-          <a:lstStyle/>
-          <a:p>
-            <a:r>
-              <a:rPr lang="en-GB" sz="1400" dirty="0"/>
-              <a:t>- Given the original system, how high can I make N while keeping E [R] below some threshold? - Assume a fixed multiprogramming level, N. Given that we can make changes to the central subsystem, which changes will improve E [R] the most? - Batch systems are a type of closed system where typically one is running many jobs overnight and as soon as one job completes, another one is started. - Asymptotic bounds can be used to estimate the performance of closed systems as a function of the multiprogramming level N.</a:t>
-            </a:r>
-          </a:p>
-        </p:txBody>
-      </p:sp>
-      <p:sp>
-        <p:nvSpPr>
-          <p:cNvPr id="3" name="Subtitle 2">
-            <a:extLst>
-              <a:ext uri="{FF2B5EF4-FFF2-40B4-BE49-F238E27FC236}">
-                <a16:creationId xmlns:a16="http://schemas.microsoft.com/office/drawing/2014/main" id="{8952CB54-1F4D-A056-812B-6B9B285B9525}"/>
-              </a:ext>
-            </a:extLst>
-          </p:cNvPr>
-          <p:cNvSpPr>
-            <a:spLocks noGrp="1"/>
-          </p:cNvSpPr>
-          <p:nvPr>
-            <p:ph type="subTitle" idx="1"/>
-          </p:nvPr>
-        </p:nvSpPr>
-        <p:spPr/>
-        <p:txBody>
-          <a:bodyPr/>
-          <a:lstStyle/>
-          <a:p>
-            <a:endParaRPr lang="en-GB" dirty="0"/>
-          </a:p>
-        </p:txBody>
-      </p:sp>
-    </p:spTree>
-    <p:extLst>
-      <p:ext uri="{BB962C8B-B14F-4D97-AF65-F5344CB8AC3E}">
-        <p14:creationId xmlns:p14="http://schemas.microsoft.com/office/powerpoint/2010/main" val="1344572216"/>
-      </p:ext>
-    </p:extLst>
-  </p:cSld>
-  <p:clrMapOvr>
-    <a:masterClrMapping/>
-  </p:clrMapOvr>
-</p:sld>
-</file>
-
 <file path=ppt/slides/slide3.xml><?xml version="1.0" encoding="utf-8"?>
 <p:sld xmlns:a="http://schemas.openxmlformats.org/drawingml/2006/main" xmlns:r="http://schemas.openxmlformats.org/officeDocument/2006/relationships" xmlns:p="http://schemas.openxmlformats.org/presentationml/2006/main">
   <p:cSld>
@@ -3545,12 +3557,22 @@
             <p:ph type="ctrTitle"/>
           </p:nvPr>
         </p:nvSpPr>
-        <p:spPr/>
-        <p:txBody>
-          <a:bodyPr/>
-          <a:lstStyle/>
-          <a:p>
-            <a:endParaRPr lang="en-GB"/>
+        <p:spPr>
+          <a:xfrm>
+            <a:off x="1794588" y="357252"/>
+            <a:ext cx="9144000" cy="4569310"/>
+          </a:xfrm>
+        </p:spPr>
+        <p:txBody>
+          <a:bodyPr>
+            <a:normAutofit/>
+          </a:bodyPr>
+          <a:lstStyle/>
+          <a:p>
+            <a:r>
+              <a:rPr lang="en-GB" sz="1400" dirty="0"/>
+              <a:t>- Given the original system, how high can I make N while keeping E [R] below some threshold? - Assume a fixed multiprogramming level, N. Given that we can make changes to the central subsystem, which changes will improve E [R] the most? - Batch systems are a type of closed system where typically one is running many jobs overnight and as soon as one job completes, another one is started. - Asymptotic bounds can be used to estimate the performance of closed systems as a function of the multiprogramming level N.</a:t>
+            </a:r>
           </a:p>
         </p:txBody>
       </p:sp>
@@ -3570,21 +3592,149 @@
             <p:ph type="subTitle" idx="1"/>
           </p:nvPr>
         </p:nvSpPr>
-        <p:spPr/>
-        <p:txBody>
-          <a:bodyPr/>
-          <a:lstStyle/>
-          <a:p>
-            <a:endParaRPr lang="en-GB"/>
+        <p:spPr>
+          <a:xfrm>
+            <a:off x="1524000" y="1437336"/>
+            <a:ext cx="9144000" cy="1655762"/>
+          </a:xfrm>
+        </p:spPr>
+        <p:txBody>
+          <a:bodyPr/>
+          <a:lstStyle/>
+          <a:p>
+            <a:pPr marL="342900" indent="-342900" algn="l">
+              <a:buFont typeface="Arial" panose="020B0604020202020204" pitchFamily="34" charset="0"/>
+              <a:buChar char="•"/>
+            </a:pPr>
+            <a:r>
+              <a:rPr lang="en-GB" dirty="0"/>
+              <a:t>Operational laws</a:t>
+            </a:r>
+          </a:p>
+          <a:p>
+            <a:pPr marL="342900" indent="-342900" algn="l">
+              <a:buFont typeface="Arial" panose="020B0604020202020204" pitchFamily="34" charset="0"/>
+              <a:buChar char="•"/>
+            </a:pPr>
+            <a:r>
+              <a:rPr lang="en-GB" dirty="0"/>
+              <a:t>Little law for closed systems</a:t>
+            </a:r>
+          </a:p>
+          <a:p>
+            <a:pPr marL="342900" indent="-342900" algn="l">
+              <a:buFont typeface="Arial" panose="020B0604020202020204" pitchFamily="34" charset="0"/>
+              <a:buChar char="•"/>
+            </a:pPr>
+            <a:r>
+              <a:rPr lang="en-GB" dirty="0"/>
+              <a:t>Modification Analysis</a:t>
+            </a:r>
+          </a:p>
+          <a:p>
+            <a:endParaRPr lang="en-GB" dirty="0"/>
+          </a:p>
+        </p:txBody>
+      </p:sp>
+    </p:spTree>
+    <p:extLst>
+      <p:ext uri="{BB962C8B-B14F-4D97-AF65-F5344CB8AC3E}">
+        <p14:creationId xmlns:p14="http://schemas.microsoft.com/office/powerpoint/2010/main" val="1344572216"/>
+      </p:ext>
+    </p:extLst>
+  </p:cSld>
+  <p:clrMapOvr>
+    <a:masterClrMapping/>
+  </p:clrMapOvr>
+</p:sld>
+</file>
+
+<file path=ppt/slides/slide4.xml><?xml version="1.0" encoding="utf-8"?>
+<p:sld xmlns:a="http://schemas.openxmlformats.org/drawingml/2006/main" xmlns:r="http://schemas.openxmlformats.org/officeDocument/2006/relationships" xmlns:p="http://schemas.openxmlformats.org/presentationml/2006/main">
+  <p:cSld>
+    <p:spTree>
+      <p:nvGrpSpPr>
+        <p:cNvPr id="1" name=""/>
+        <p:cNvGrpSpPr/>
+        <p:nvPr/>
+      </p:nvGrpSpPr>
+      <p:grpSpPr>
+        <a:xfrm>
+          <a:off x="0" y="0"/>
+          <a:ext cx="0" cy="0"/>
+          <a:chOff x="0" y="0"/>
+          <a:chExt cx="0" cy="0"/>
+        </a:xfrm>
+      </p:grpSpPr>
+      <p:sp>
+        <p:nvSpPr>
+          <p:cNvPr id="2" name="Title 1">
+            <a:extLst>
+              <a:ext uri="{FF2B5EF4-FFF2-40B4-BE49-F238E27FC236}">
+                <a16:creationId xmlns:a16="http://schemas.microsoft.com/office/drawing/2014/main" id="{F892CF55-4B0A-2F62-D1A4-01AA11EAED54}"/>
+              </a:ext>
+            </a:extLst>
+          </p:cNvPr>
+          <p:cNvSpPr>
+            <a:spLocks noGrp="1"/>
+          </p:cNvSpPr>
+          <p:nvPr>
+            <p:ph type="ctrTitle"/>
+          </p:nvPr>
+        </p:nvSpPr>
+        <p:spPr>
+          <a:xfrm>
+            <a:off x="1300916" y="4154812"/>
+            <a:ext cx="9144000" cy="2387600"/>
+          </a:xfrm>
+        </p:spPr>
+        <p:txBody>
+          <a:bodyPr/>
+          <a:lstStyle/>
+          <a:p>
+            <a:endParaRPr lang="en-GB" dirty="0"/>
+          </a:p>
+        </p:txBody>
+      </p:sp>
+      <p:sp>
+        <p:nvSpPr>
+          <p:cNvPr id="3" name="Subtitle 2">
+            <a:extLst>
+              <a:ext uri="{FF2B5EF4-FFF2-40B4-BE49-F238E27FC236}">
+                <a16:creationId xmlns:a16="http://schemas.microsoft.com/office/drawing/2014/main" id="{8952CB54-1F4D-A056-812B-6B9B285B9525}"/>
+              </a:ext>
+            </a:extLst>
+          </p:cNvPr>
+          <p:cNvSpPr>
+            <a:spLocks noGrp="1"/>
+          </p:cNvSpPr>
+          <p:nvPr>
+            <p:ph type="subTitle" idx="1"/>
+          </p:nvPr>
+        </p:nvSpPr>
+        <p:spPr>
+          <a:xfrm>
+            <a:off x="-826463" y="2042319"/>
+            <a:ext cx="9144000" cy="1655762"/>
+          </a:xfrm>
+        </p:spPr>
+        <p:txBody>
+          <a:bodyPr/>
+          <a:lstStyle/>
+          <a:p>
+            <a:r>
+              <a:rPr lang="en-GB" dirty="0"/>
+              <a:t>How we go to m/d/1</a:t>
+            </a:r>
           </a:p>
         </p:txBody>
       </p:sp>
       <p:pic>
         <p:nvPicPr>
-          <p:cNvPr id="5" name="Picture 4">
-            <a:extLst>
-              <a:ext uri="{FF2B5EF4-FFF2-40B4-BE49-F238E27FC236}">
-                <a16:creationId xmlns:a16="http://schemas.microsoft.com/office/drawing/2014/main" id="{6C6E63CE-8924-8C55-6DCB-A6CA9130EADE}"/>
+          <p:cNvPr id="6" name="Picture 5" descr="A picture containing text, screenshot, font, design&#10;&#10;Description automatically generated">
+            <a:extLst>
+              <a:ext uri="{FF2B5EF4-FFF2-40B4-BE49-F238E27FC236}">
+                <a16:creationId xmlns:a16="http://schemas.microsoft.com/office/drawing/2014/main" id="{170CC693-EDC2-7219-0A29-B7DC948EE55F}"/>
               </a:ext>
             </a:extLst>
           </p:cNvPr>
@@ -3594,15 +3744,21 @@
           <p:nvPr/>
         </p:nvPicPr>
         <p:blipFill>
-          <a:blip r:embed="rId2"/>
+          <a:blip r:embed="rId2">
+            <a:extLst>
+              <a:ext uri="{28A0092B-C50C-407E-A947-70E740481C1C}">
+                <a14:useLocalDpi xmlns:a14="http://schemas.microsoft.com/office/drawing/2010/main" val="0"/>
+              </a:ext>
+            </a:extLst>
+          </a:blip>
           <a:stretch>
             <a:fillRect/>
           </a:stretch>
         </p:blipFill>
         <p:spPr>
           <a:xfrm>
-            <a:off x="3297667" y="1030288"/>
-            <a:ext cx="5622398" cy="3815200"/>
+            <a:off x="6926619" y="1455575"/>
+            <a:ext cx="3360524" cy="2106597"/>
           </a:xfrm>
           <a:prstGeom prst="rect">
             <a:avLst/>

--- a/Term3/PresentationMidPoint.pptx
+++ b/Term3/PresentationMidPoint.pptx
@@ -6,7 +6,7 @@
   </p:sldMasterIdLst>
   <p:sldIdLst>
     <p:sldId id="259" r:id="rId2"/>
-    <p:sldId id="258" r:id="rId3"/>
+    <p:sldId id="260" r:id="rId3"/>
     <p:sldId id="256" r:id="rId4"/>
     <p:sldId id="257" r:id="rId5"/>
   </p:sldIdLst>
@@ -3430,91 +3430,252 @@
           <p:cNvPr id="2" name="Title 1">
             <a:extLst>
               <a:ext uri="{FF2B5EF4-FFF2-40B4-BE49-F238E27FC236}">
-                <a16:creationId xmlns:a16="http://schemas.microsoft.com/office/drawing/2014/main" id="{F892CF55-4B0A-2F62-D1A4-01AA11EAED54}"/>
-              </a:ext>
-            </a:extLst>
-          </p:cNvPr>
-          <p:cNvSpPr>
-            <a:spLocks noGrp="1"/>
-          </p:cNvSpPr>
-          <p:nvPr>
-            <p:ph type="ctrTitle"/>
+                <a16:creationId xmlns:a16="http://schemas.microsoft.com/office/drawing/2014/main" id="{225D7DD3-5B45-1A86-C80B-E7F564A82E2D}"/>
+              </a:ext>
+            </a:extLst>
+          </p:cNvPr>
+          <p:cNvSpPr>
+            <a:spLocks noGrp="1"/>
+          </p:cNvSpPr>
+          <p:nvPr>
+            <p:ph type="title"/>
           </p:nvPr>
         </p:nvSpPr>
         <p:spPr/>
         <p:txBody>
-          <a:bodyPr/>
-          <a:lstStyle/>
-          <a:p>
-            <a:endParaRPr lang="en-GB"/>
-          </a:p>
-        </p:txBody>
-      </p:sp>
-      <p:sp>
-        <p:nvSpPr>
-          <p:cNvPr id="3" name="Subtitle 2">
-            <a:extLst>
-              <a:ext uri="{FF2B5EF4-FFF2-40B4-BE49-F238E27FC236}">
-                <a16:creationId xmlns:a16="http://schemas.microsoft.com/office/drawing/2014/main" id="{8952CB54-1F4D-A056-812B-6B9B285B9525}"/>
-              </a:ext>
-            </a:extLst>
-          </p:cNvPr>
-          <p:cNvSpPr>
-            <a:spLocks noGrp="1"/>
-          </p:cNvSpPr>
-          <p:nvPr>
-            <p:ph type="subTitle" idx="1"/>
-          </p:nvPr>
-        </p:nvSpPr>
-        <p:spPr/>
-        <p:txBody>
-          <a:bodyPr/>
-          <a:lstStyle/>
-          <a:p>
-            <a:endParaRPr lang="en-GB"/>
-          </a:p>
-        </p:txBody>
-      </p:sp>
-      <p:pic>
-        <p:nvPicPr>
-          <p:cNvPr id="5" name="Picture 4" descr="A diagram of data pipeline&#10;&#10;Description automatically generated with low confidence">
-            <a:extLst>
-              <a:ext uri="{FF2B5EF4-FFF2-40B4-BE49-F238E27FC236}">
-                <a16:creationId xmlns:a16="http://schemas.microsoft.com/office/drawing/2014/main" id="{476EDAFF-B6BA-E442-66EC-2C56B49DDFE5}"/>
-              </a:ext>
-            </a:extLst>
-          </p:cNvPr>
-          <p:cNvPicPr>
-            <a:picLocks noChangeAspect="1"/>
-          </p:cNvPicPr>
-          <p:nvPr/>
-        </p:nvPicPr>
-        <p:blipFill>
-          <a:blip r:embed="rId2">
-            <a:extLst>
-              <a:ext uri="{28A0092B-C50C-407E-A947-70E740481C1C}">
-                <a14:useLocalDpi xmlns:a14="http://schemas.microsoft.com/office/drawing/2010/main" val="0"/>
-              </a:ext>
-            </a:extLst>
-          </a:blip>
-          <a:stretch>
-            <a:fillRect/>
-          </a:stretch>
-        </p:blipFill>
+          <a:bodyPr>
+            <a:normAutofit/>
+          </a:bodyPr>
+          <a:lstStyle/>
+          <a:p>
+            <a:pPr algn="ctr"/>
+            <a:r>
+              <a:rPr lang="en-GB" sz="3200" dirty="0"/>
+              <a:t>Literature review</a:t>
+            </a:r>
+          </a:p>
+        </p:txBody>
+      </p:sp>
+      <p:sp>
+        <p:nvSpPr>
+          <p:cNvPr id="3" name="Content Placeholder 2">
+            <a:extLst>
+              <a:ext uri="{FF2B5EF4-FFF2-40B4-BE49-F238E27FC236}">
+                <a16:creationId xmlns:a16="http://schemas.microsoft.com/office/drawing/2014/main" id="{8667D79B-4E53-D489-54C3-AD749A072ABF}"/>
+              </a:ext>
+            </a:extLst>
+          </p:cNvPr>
+          <p:cNvSpPr>
+            <a:spLocks noGrp="1"/>
+          </p:cNvSpPr>
+          <p:nvPr>
+            <p:ph idx="1"/>
+          </p:nvPr>
+        </p:nvSpPr>
         <p:spPr>
           <a:xfrm>
-            <a:off x="1562100" y="595312"/>
-            <a:ext cx="9067800" cy="5667375"/>
+            <a:off x="3786674" y="1806963"/>
+            <a:ext cx="8203163" cy="4351338"/>
           </a:xfrm>
-          <a:prstGeom prst="rect">
-            <a:avLst/>
-          </a:prstGeom>
         </p:spPr>
-      </p:pic>
+        <p:txBody>
+          <a:bodyPr>
+            <a:normAutofit/>
+          </a:bodyPr>
+          <a:lstStyle/>
+          <a:p>
+            <a:r>
+              <a:rPr lang="en-GB" sz="1400" dirty="0">
+                <a:effectLst/>
+              </a:rPr>
+              <a:t>Zhang, Q., Cheng, L., &amp; </a:t>
+            </a:r>
+            <a:r>
+              <a:rPr lang="en-GB" sz="1400" dirty="0" err="1">
+                <a:effectLst/>
+              </a:rPr>
+              <a:t>Boutaba</a:t>
+            </a:r>
+            <a:r>
+              <a:rPr lang="en-GB" sz="1400" dirty="0">
+                <a:effectLst/>
+              </a:rPr>
+              <a:t>, R. (2010). Cloud computing: State-of-the-art and research challenges. </a:t>
+            </a:r>
+            <a:r>
+              <a:rPr lang="en-GB" sz="1400" i="1" dirty="0">
+                <a:effectLst/>
+              </a:rPr>
+              <a:t>Journal of Internet Services and Applications</a:t>
+            </a:r>
+            <a:r>
+              <a:rPr lang="en-GB" sz="1400" dirty="0">
+                <a:effectLst/>
+              </a:rPr>
+              <a:t>, </a:t>
+            </a:r>
+            <a:r>
+              <a:rPr lang="en-GB" sz="1400" i="1" dirty="0">
+                <a:effectLst/>
+              </a:rPr>
+              <a:t>1</a:t>
+            </a:r>
+            <a:r>
+              <a:rPr lang="en-GB" sz="1400" dirty="0">
+                <a:effectLst/>
+              </a:rPr>
+              <a:t>(1), 7–18. https://doi.org/10.1007/s13174-010-0007-6 </a:t>
+            </a:r>
+            <a:endParaRPr lang="en-GB" sz="2000" dirty="0">
+              <a:effectLst/>
+            </a:endParaRPr>
+          </a:p>
+          <a:p>
+            <a:r>
+              <a:rPr lang="en-GB" sz="1400" dirty="0">
+                <a:effectLst/>
+              </a:rPr>
+              <a:t>A Survey of Big Data Pipeline Orchestration Tools from the Perspective of the </a:t>
+            </a:r>
+            <a:r>
+              <a:rPr lang="en-GB" sz="1400" dirty="0" err="1">
+                <a:effectLst/>
+              </a:rPr>
+              <a:t>DataCloud</a:t>
+            </a:r>
+            <a:r>
+              <a:rPr lang="en-GB" sz="1400" dirty="0">
+                <a:effectLst/>
+              </a:rPr>
+              <a:t> Project. (n.d.). https://www.researchgate.net/publication/357340660_A_Survey_of_Big_Data_Pipeline_Orchestration_Tools_from_the_Perspective_of_the_DataCloud_Project </a:t>
+            </a:r>
+          </a:p>
+          <a:p>
+            <a:r>
+              <a:rPr lang="en-GB" sz="1400" dirty="0">
+                <a:effectLst/>
+              </a:rPr>
+              <a:t>Kafka: A distributed messaging system for log processing. (n.d.-b). https://course.ece.cmu.edu/~ece845/sp19/docs/kafka.pdf </a:t>
+            </a:r>
+          </a:p>
+          <a:p>
+            <a:r>
+              <a:rPr lang="en-GB" sz="1400" dirty="0">
+                <a:effectLst/>
+              </a:rPr>
+              <a:t>Danilo </a:t>
+            </a:r>
+            <a:r>
+              <a:rPr lang="en-GB" sz="1400" dirty="0" err="1">
+                <a:effectLst/>
+              </a:rPr>
+              <a:t>Ardagna</a:t>
+            </a:r>
+            <a:r>
+              <a:rPr lang="en-GB" sz="1400" dirty="0">
+                <a:effectLst/>
+              </a:rPr>
+              <a:t>, Giuliano </a:t>
+            </a:r>
+            <a:r>
+              <a:rPr lang="en-GB" sz="1400" dirty="0" err="1">
+                <a:effectLst/>
+              </a:rPr>
+              <a:t>Casale</a:t>
+            </a:r>
+            <a:r>
+              <a:rPr lang="en-GB" sz="1400" dirty="0">
+                <a:effectLst/>
+              </a:rPr>
+              <a:t>, Michele </a:t>
+            </a:r>
+            <a:r>
+              <a:rPr lang="en-GB" sz="1400" dirty="0" err="1">
+                <a:effectLst/>
+              </a:rPr>
+              <a:t>Ciavotta</a:t>
+            </a:r>
+            <a:r>
+              <a:rPr lang="en-GB" sz="1400" dirty="0">
+                <a:effectLst/>
+              </a:rPr>
+              <a:t>, Juan F Pérez, &amp;amp; </a:t>
+            </a:r>
+            <a:r>
+              <a:rPr lang="en-GB" sz="1400" dirty="0" err="1">
+                <a:effectLst/>
+              </a:rPr>
+              <a:t>Weikun</a:t>
+            </a:r>
+            <a:r>
+              <a:rPr lang="en-GB" sz="1400" dirty="0">
+                <a:effectLst/>
+              </a:rPr>
+              <a:t> Wang. (n.d.). Quality-of-service in cloud computing: </a:t>
+            </a:r>
+            <a:r>
+              <a:rPr lang="en-GB" sz="1400" dirty="0" err="1">
+                <a:effectLst/>
+              </a:rPr>
+              <a:t>modeling</a:t>
+            </a:r>
+            <a:r>
+              <a:rPr lang="en-GB" sz="1400" dirty="0">
+                <a:effectLst/>
+              </a:rPr>
+              <a:t> techniques and their applications. https://www.researchgate.net/publication/286266847_Quality-of-service_in_cloud_computing_modeling_techniques_and_their_applications </a:t>
+            </a:r>
+          </a:p>
+          <a:p>
+            <a:r>
+              <a:rPr lang="en-GB" sz="1400" dirty="0" err="1"/>
+              <a:t>Khazaei</a:t>
+            </a:r>
+            <a:r>
+              <a:rPr lang="en-GB" sz="1400" dirty="0"/>
+              <a:t>, H., Misic, J., &amp;amp; Misic, V. B. (2012). Performance analysis of cloud computing </a:t>
+            </a:r>
+            <a:r>
+              <a:rPr lang="en-GB" sz="1400" dirty="0" err="1"/>
+              <a:t>centers</a:t>
+            </a:r>
+            <a:r>
+              <a:rPr lang="en-GB" sz="1400" dirty="0"/>
+              <a:t> using M/g/m/</a:t>
+            </a:r>
+            <a:r>
+              <a:rPr lang="en-GB" sz="1400" dirty="0" err="1"/>
+              <a:t>m+r</a:t>
+            </a:r>
+            <a:r>
+              <a:rPr lang="en-GB" sz="1400" dirty="0"/>
+              <a:t> queuing systems. IEEE Transactions on Parallel and Distributed Systems, 23(5), 936–943. https://doi.org/10.1109/tpds.2011.199 </a:t>
+            </a:r>
+          </a:p>
+          <a:p>
+            <a:r>
+              <a:rPr lang="en-GB" sz="1400" dirty="0" err="1"/>
+              <a:t>Harchol</a:t>
+            </a:r>
+            <a:r>
+              <a:rPr lang="en-GB" sz="1400" dirty="0"/>
+              <a:t>-Balter, M. (2014). Performance </a:t>
+            </a:r>
+            <a:r>
+              <a:rPr lang="en-GB" sz="1400" dirty="0" err="1"/>
+              <a:t>modeling</a:t>
+            </a:r>
+            <a:r>
+              <a:rPr lang="en-GB" sz="1400" dirty="0"/>
+              <a:t> and design of computer systems: Queueing theory in action. Cambridge University Press. </a:t>
+            </a:r>
+          </a:p>
+        </p:txBody>
+      </p:sp>
     </p:spTree>
     <p:extLst>
       <p:ext uri="{BB962C8B-B14F-4D97-AF65-F5344CB8AC3E}">
-        <p14:creationId xmlns:p14="http://schemas.microsoft.com/office/powerpoint/2010/main" val="1909745675"/>
+        <p14:creationId xmlns:p14="http://schemas.microsoft.com/office/powerpoint/2010/main" val="2398435571"/>
       </p:ext>
     </p:extLst>
   </p:cSld>

--- a/Term3/PresentationMidPoint.pptx
+++ b/Term3/PresentationMidPoint.pptx
@@ -3669,6 +3669,458 @@
               <a:rPr lang="en-GB" sz="1400" dirty="0"/>
               <a:t> and design of computer systems: Queueing theory in action. Cambridge University Press. </a:t>
             </a:r>
+          </a:p>
+        </p:txBody>
+      </p:sp>
+      <p:sp>
+        <p:nvSpPr>
+          <p:cNvPr id="4" name="Content Placeholder 2">
+            <a:extLst>
+              <a:ext uri="{FF2B5EF4-FFF2-40B4-BE49-F238E27FC236}">
+                <a16:creationId xmlns:a16="http://schemas.microsoft.com/office/drawing/2014/main" id="{B325B3FC-5DD2-9540-CCB4-36433D3EF9FD}"/>
+              </a:ext>
+            </a:extLst>
+          </p:cNvPr>
+          <p:cNvSpPr txBox="1">
+            <a:spLocks/>
+          </p:cNvSpPr>
+          <p:nvPr/>
+        </p:nvSpPr>
+        <p:spPr>
+          <a:xfrm>
+            <a:off x="272145" y="1875388"/>
+            <a:ext cx="3282820" cy="4351338"/>
+          </a:xfrm>
+          <a:prstGeom prst="rect">
+            <a:avLst/>
+          </a:prstGeom>
+        </p:spPr>
+        <p:txBody>
+          <a:bodyPr vert="horz" lIns="91440" tIns="45720" rIns="91440" bIns="45720" rtlCol="0">
+            <a:normAutofit/>
+          </a:bodyPr>
+          <a:lstStyle>
+            <a:lvl1pPr marL="228600" indent="-228600" algn="l" defTabSz="914400" rtl="0" eaLnBrk="1" latinLnBrk="0" hangingPunct="1">
+              <a:lnSpc>
+                <a:spcPct val="90000"/>
+              </a:lnSpc>
+              <a:spcBef>
+                <a:spcPts val="1000"/>
+              </a:spcBef>
+              <a:buFont typeface="Arial" panose="020B0604020202020204" pitchFamily="34" charset="0"/>
+              <a:buChar char="•"/>
+              <a:defRPr sz="2800" kern="1200">
+                <a:solidFill>
+                  <a:schemeClr val="tx1"/>
+                </a:solidFill>
+                <a:latin typeface="+mn-lt"/>
+                <a:ea typeface="+mn-ea"/>
+                <a:cs typeface="+mn-cs"/>
+              </a:defRPr>
+            </a:lvl1pPr>
+            <a:lvl2pPr marL="685800" indent="-228600" algn="l" defTabSz="914400" rtl="0" eaLnBrk="1" latinLnBrk="0" hangingPunct="1">
+              <a:lnSpc>
+                <a:spcPct val="90000"/>
+              </a:lnSpc>
+              <a:spcBef>
+                <a:spcPts val="500"/>
+              </a:spcBef>
+              <a:buFont typeface="Arial" panose="020B0604020202020204" pitchFamily="34" charset="0"/>
+              <a:buChar char="•"/>
+              <a:defRPr sz="2400" kern="1200">
+                <a:solidFill>
+                  <a:schemeClr val="tx1"/>
+                </a:solidFill>
+                <a:latin typeface="+mn-lt"/>
+                <a:ea typeface="+mn-ea"/>
+                <a:cs typeface="+mn-cs"/>
+              </a:defRPr>
+            </a:lvl2pPr>
+            <a:lvl3pPr marL="1143000" indent="-228600" algn="l" defTabSz="914400" rtl="0" eaLnBrk="1" latinLnBrk="0" hangingPunct="1">
+              <a:lnSpc>
+                <a:spcPct val="90000"/>
+              </a:lnSpc>
+              <a:spcBef>
+                <a:spcPts val="500"/>
+              </a:spcBef>
+              <a:buFont typeface="Arial" panose="020B0604020202020204" pitchFamily="34" charset="0"/>
+              <a:buChar char="•"/>
+              <a:defRPr sz="2000" kern="1200">
+                <a:solidFill>
+                  <a:schemeClr val="tx1"/>
+                </a:solidFill>
+                <a:latin typeface="+mn-lt"/>
+                <a:ea typeface="+mn-ea"/>
+                <a:cs typeface="+mn-cs"/>
+              </a:defRPr>
+            </a:lvl3pPr>
+            <a:lvl4pPr marL="1600200" indent="-228600" algn="l" defTabSz="914400" rtl="0" eaLnBrk="1" latinLnBrk="0" hangingPunct="1">
+              <a:lnSpc>
+                <a:spcPct val="90000"/>
+              </a:lnSpc>
+              <a:spcBef>
+                <a:spcPts val="500"/>
+              </a:spcBef>
+              <a:buFont typeface="Arial" panose="020B0604020202020204" pitchFamily="34" charset="0"/>
+              <a:buChar char="•"/>
+              <a:defRPr sz="1800" kern="1200">
+                <a:solidFill>
+                  <a:schemeClr val="tx1"/>
+                </a:solidFill>
+                <a:latin typeface="+mn-lt"/>
+                <a:ea typeface="+mn-ea"/>
+                <a:cs typeface="+mn-cs"/>
+              </a:defRPr>
+            </a:lvl4pPr>
+            <a:lvl5pPr marL="2057400" indent="-228600" algn="l" defTabSz="914400" rtl="0" eaLnBrk="1" latinLnBrk="0" hangingPunct="1">
+              <a:lnSpc>
+                <a:spcPct val="90000"/>
+              </a:lnSpc>
+              <a:spcBef>
+                <a:spcPts val="500"/>
+              </a:spcBef>
+              <a:buFont typeface="Arial" panose="020B0604020202020204" pitchFamily="34" charset="0"/>
+              <a:buChar char="•"/>
+              <a:defRPr sz="1800" kern="1200">
+                <a:solidFill>
+                  <a:schemeClr val="tx1"/>
+                </a:solidFill>
+                <a:latin typeface="+mn-lt"/>
+                <a:ea typeface="+mn-ea"/>
+                <a:cs typeface="+mn-cs"/>
+              </a:defRPr>
+            </a:lvl5pPr>
+            <a:lvl6pPr marL="2514600" indent="-228600" algn="l" defTabSz="914400" rtl="0" eaLnBrk="1" latinLnBrk="0" hangingPunct="1">
+              <a:lnSpc>
+                <a:spcPct val="90000"/>
+              </a:lnSpc>
+              <a:spcBef>
+                <a:spcPts val="500"/>
+              </a:spcBef>
+              <a:buFont typeface="Arial" panose="020B0604020202020204" pitchFamily="34" charset="0"/>
+              <a:buChar char="•"/>
+              <a:defRPr sz="1800" kern="1200">
+                <a:solidFill>
+                  <a:schemeClr val="tx1"/>
+                </a:solidFill>
+                <a:latin typeface="+mn-lt"/>
+                <a:ea typeface="+mn-ea"/>
+                <a:cs typeface="+mn-cs"/>
+              </a:defRPr>
+            </a:lvl6pPr>
+            <a:lvl7pPr marL="2971800" indent="-228600" algn="l" defTabSz="914400" rtl="0" eaLnBrk="1" latinLnBrk="0" hangingPunct="1">
+              <a:lnSpc>
+                <a:spcPct val="90000"/>
+              </a:lnSpc>
+              <a:spcBef>
+                <a:spcPts val="500"/>
+              </a:spcBef>
+              <a:buFont typeface="Arial" panose="020B0604020202020204" pitchFamily="34" charset="0"/>
+              <a:buChar char="•"/>
+              <a:defRPr sz="1800" kern="1200">
+                <a:solidFill>
+                  <a:schemeClr val="tx1"/>
+                </a:solidFill>
+                <a:latin typeface="+mn-lt"/>
+                <a:ea typeface="+mn-ea"/>
+                <a:cs typeface="+mn-cs"/>
+              </a:defRPr>
+            </a:lvl7pPr>
+            <a:lvl8pPr marL="3429000" indent="-228600" algn="l" defTabSz="914400" rtl="0" eaLnBrk="1" latinLnBrk="0" hangingPunct="1">
+              <a:lnSpc>
+                <a:spcPct val="90000"/>
+              </a:lnSpc>
+              <a:spcBef>
+                <a:spcPts val="500"/>
+              </a:spcBef>
+              <a:buFont typeface="Arial" panose="020B0604020202020204" pitchFamily="34" charset="0"/>
+              <a:buChar char="•"/>
+              <a:defRPr sz="1800" kern="1200">
+                <a:solidFill>
+                  <a:schemeClr val="tx1"/>
+                </a:solidFill>
+                <a:latin typeface="+mn-lt"/>
+                <a:ea typeface="+mn-ea"/>
+                <a:cs typeface="+mn-cs"/>
+              </a:defRPr>
+            </a:lvl8pPr>
+            <a:lvl9pPr marL="3886200" indent="-228600" algn="l" defTabSz="914400" rtl="0" eaLnBrk="1" latinLnBrk="0" hangingPunct="1">
+              <a:lnSpc>
+                <a:spcPct val="90000"/>
+              </a:lnSpc>
+              <a:spcBef>
+                <a:spcPts val="500"/>
+              </a:spcBef>
+              <a:buFont typeface="Arial" panose="020B0604020202020204" pitchFamily="34" charset="0"/>
+              <a:buChar char="•"/>
+              <a:defRPr sz="1800" kern="1200">
+                <a:solidFill>
+                  <a:schemeClr val="tx1"/>
+                </a:solidFill>
+                <a:latin typeface="+mn-lt"/>
+                <a:ea typeface="+mn-ea"/>
+                <a:cs typeface="+mn-cs"/>
+              </a:defRPr>
+            </a:lvl9pPr>
+          </a:lstStyle>
+          <a:p>
+            <a:endParaRPr lang="en-GB" sz="1400" dirty="0"/>
+          </a:p>
+        </p:txBody>
+      </p:sp>
+      <p:sp>
+        <p:nvSpPr>
+          <p:cNvPr id="5" name="Content Placeholder 2">
+            <a:extLst>
+              <a:ext uri="{FF2B5EF4-FFF2-40B4-BE49-F238E27FC236}">
+                <a16:creationId xmlns:a16="http://schemas.microsoft.com/office/drawing/2014/main" id="{0E5F095E-38E8-141D-B844-83A251BA7147}"/>
+              </a:ext>
+            </a:extLst>
+          </p:cNvPr>
+          <p:cNvSpPr txBox="1">
+            <a:spLocks/>
+          </p:cNvSpPr>
+          <p:nvPr/>
+        </p:nvSpPr>
+        <p:spPr>
+          <a:xfrm>
+            <a:off x="272145" y="1875388"/>
+            <a:ext cx="3068214" cy="4351338"/>
+          </a:xfrm>
+          <a:prstGeom prst="rect">
+            <a:avLst/>
+          </a:prstGeom>
+        </p:spPr>
+        <p:txBody>
+          <a:bodyPr vert="horz" lIns="91440" tIns="45720" rIns="91440" bIns="45720" rtlCol="0">
+            <a:normAutofit/>
+          </a:bodyPr>
+          <a:lstStyle>
+            <a:lvl1pPr marL="228600" indent="-228600" algn="l" defTabSz="914400" rtl="0" eaLnBrk="1" latinLnBrk="0" hangingPunct="1">
+              <a:lnSpc>
+                <a:spcPct val="90000"/>
+              </a:lnSpc>
+              <a:spcBef>
+                <a:spcPts val="1000"/>
+              </a:spcBef>
+              <a:buFont typeface="Arial" panose="020B0604020202020204" pitchFamily="34" charset="0"/>
+              <a:buChar char="•"/>
+              <a:defRPr sz="2800" kern="1200">
+                <a:solidFill>
+                  <a:schemeClr val="tx1"/>
+                </a:solidFill>
+                <a:latin typeface="+mn-lt"/>
+                <a:ea typeface="+mn-ea"/>
+                <a:cs typeface="+mn-cs"/>
+              </a:defRPr>
+            </a:lvl1pPr>
+            <a:lvl2pPr marL="685800" indent="-228600" algn="l" defTabSz="914400" rtl="0" eaLnBrk="1" latinLnBrk="0" hangingPunct="1">
+              <a:lnSpc>
+                <a:spcPct val="90000"/>
+              </a:lnSpc>
+              <a:spcBef>
+                <a:spcPts val="500"/>
+              </a:spcBef>
+              <a:buFont typeface="Arial" panose="020B0604020202020204" pitchFamily="34" charset="0"/>
+              <a:buChar char="•"/>
+              <a:defRPr sz="2400" kern="1200">
+                <a:solidFill>
+                  <a:schemeClr val="tx1"/>
+                </a:solidFill>
+                <a:latin typeface="+mn-lt"/>
+                <a:ea typeface="+mn-ea"/>
+                <a:cs typeface="+mn-cs"/>
+              </a:defRPr>
+            </a:lvl2pPr>
+            <a:lvl3pPr marL="1143000" indent="-228600" algn="l" defTabSz="914400" rtl="0" eaLnBrk="1" latinLnBrk="0" hangingPunct="1">
+              <a:lnSpc>
+                <a:spcPct val="90000"/>
+              </a:lnSpc>
+              <a:spcBef>
+                <a:spcPts val="500"/>
+              </a:spcBef>
+              <a:buFont typeface="Arial" panose="020B0604020202020204" pitchFamily="34" charset="0"/>
+              <a:buChar char="•"/>
+              <a:defRPr sz="2000" kern="1200">
+                <a:solidFill>
+                  <a:schemeClr val="tx1"/>
+                </a:solidFill>
+                <a:latin typeface="+mn-lt"/>
+                <a:ea typeface="+mn-ea"/>
+                <a:cs typeface="+mn-cs"/>
+              </a:defRPr>
+            </a:lvl3pPr>
+            <a:lvl4pPr marL="1600200" indent="-228600" algn="l" defTabSz="914400" rtl="0" eaLnBrk="1" latinLnBrk="0" hangingPunct="1">
+              <a:lnSpc>
+                <a:spcPct val="90000"/>
+              </a:lnSpc>
+              <a:spcBef>
+                <a:spcPts val="500"/>
+              </a:spcBef>
+              <a:buFont typeface="Arial" panose="020B0604020202020204" pitchFamily="34" charset="0"/>
+              <a:buChar char="•"/>
+              <a:defRPr sz="1800" kern="1200">
+                <a:solidFill>
+                  <a:schemeClr val="tx1"/>
+                </a:solidFill>
+                <a:latin typeface="+mn-lt"/>
+                <a:ea typeface="+mn-ea"/>
+                <a:cs typeface="+mn-cs"/>
+              </a:defRPr>
+            </a:lvl4pPr>
+            <a:lvl5pPr marL="2057400" indent="-228600" algn="l" defTabSz="914400" rtl="0" eaLnBrk="1" latinLnBrk="0" hangingPunct="1">
+              <a:lnSpc>
+                <a:spcPct val="90000"/>
+              </a:lnSpc>
+              <a:spcBef>
+                <a:spcPts val="500"/>
+              </a:spcBef>
+              <a:buFont typeface="Arial" panose="020B0604020202020204" pitchFamily="34" charset="0"/>
+              <a:buChar char="•"/>
+              <a:defRPr sz="1800" kern="1200">
+                <a:solidFill>
+                  <a:schemeClr val="tx1"/>
+                </a:solidFill>
+                <a:latin typeface="+mn-lt"/>
+                <a:ea typeface="+mn-ea"/>
+                <a:cs typeface="+mn-cs"/>
+              </a:defRPr>
+            </a:lvl5pPr>
+            <a:lvl6pPr marL="2514600" indent="-228600" algn="l" defTabSz="914400" rtl="0" eaLnBrk="1" latinLnBrk="0" hangingPunct="1">
+              <a:lnSpc>
+                <a:spcPct val="90000"/>
+              </a:lnSpc>
+              <a:spcBef>
+                <a:spcPts val="500"/>
+              </a:spcBef>
+              <a:buFont typeface="Arial" panose="020B0604020202020204" pitchFamily="34" charset="0"/>
+              <a:buChar char="•"/>
+              <a:defRPr sz="1800" kern="1200">
+                <a:solidFill>
+                  <a:schemeClr val="tx1"/>
+                </a:solidFill>
+                <a:latin typeface="+mn-lt"/>
+                <a:ea typeface="+mn-ea"/>
+                <a:cs typeface="+mn-cs"/>
+              </a:defRPr>
+            </a:lvl6pPr>
+            <a:lvl7pPr marL="2971800" indent="-228600" algn="l" defTabSz="914400" rtl="0" eaLnBrk="1" latinLnBrk="0" hangingPunct="1">
+              <a:lnSpc>
+                <a:spcPct val="90000"/>
+              </a:lnSpc>
+              <a:spcBef>
+                <a:spcPts val="500"/>
+              </a:spcBef>
+              <a:buFont typeface="Arial" panose="020B0604020202020204" pitchFamily="34" charset="0"/>
+              <a:buChar char="•"/>
+              <a:defRPr sz="1800" kern="1200">
+                <a:solidFill>
+                  <a:schemeClr val="tx1"/>
+                </a:solidFill>
+                <a:latin typeface="+mn-lt"/>
+                <a:ea typeface="+mn-ea"/>
+                <a:cs typeface="+mn-cs"/>
+              </a:defRPr>
+            </a:lvl7pPr>
+            <a:lvl8pPr marL="3429000" indent="-228600" algn="l" defTabSz="914400" rtl="0" eaLnBrk="1" latinLnBrk="0" hangingPunct="1">
+              <a:lnSpc>
+                <a:spcPct val="90000"/>
+              </a:lnSpc>
+              <a:spcBef>
+                <a:spcPts val="500"/>
+              </a:spcBef>
+              <a:buFont typeface="Arial" panose="020B0604020202020204" pitchFamily="34" charset="0"/>
+              <a:buChar char="•"/>
+              <a:defRPr sz="1800" kern="1200">
+                <a:solidFill>
+                  <a:schemeClr val="tx1"/>
+                </a:solidFill>
+                <a:latin typeface="+mn-lt"/>
+                <a:ea typeface="+mn-ea"/>
+                <a:cs typeface="+mn-cs"/>
+              </a:defRPr>
+            </a:lvl8pPr>
+            <a:lvl9pPr marL="3886200" indent="-228600" algn="l" defTabSz="914400" rtl="0" eaLnBrk="1" latinLnBrk="0" hangingPunct="1">
+              <a:lnSpc>
+                <a:spcPct val="90000"/>
+              </a:lnSpc>
+              <a:spcBef>
+                <a:spcPts val="500"/>
+              </a:spcBef>
+              <a:buFont typeface="Arial" panose="020B0604020202020204" pitchFamily="34" charset="0"/>
+              <a:buChar char="•"/>
+              <a:defRPr sz="1800" kern="1200">
+                <a:solidFill>
+                  <a:schemeClr val="tx1"/>
+                </a:solidFill>
+                <a:latin typeface="+mn-lt"/>
+                <a:ea typeface="+mn-ea"/>
+                <a:cs typeface="+mn-cs"/>
+              </a:defRPr>
+            </a:lvl9pPr>
+          </a:lstStyle>
+          <a:p>
+            <a:r>
+              <a:rPr lang="en-GB" sz="1400" dirty="0"/>
+              <a:t>Current cloud computing challenges</a:t>
+            </a:r>
+          </a:p>
+          <a:p>
+            <a:r>
+              <a:rPr lang="en-GB" sz="1400" dirty="0"/>
+              <a:t>State of the art</a:t>
+            </a:r>
+          </a:p>
+          <a:p>
+            <a:endParaRPr lang="en-GB" sz="1400" dirty="0"/>
+          </a:p>
+          <a:p>
+            <a:r>
+              <a:rPr lang="en-GB" sz="1400" dirty="0"/>
+              <a:t>Most adequate tool analysis</a:t>
+            </a:r>
+          </a:p>
+          <a:p>
+            <a:endParaRPr lang="en-GB" sz="1400" dirty="0"/>
+          </a:p>
+          <a:p>
+            <a:r>
+              <a:rPr lang="en-GB" sz="1400" dirty="0"/>
+              <a:t>Cloud computing modelling</a:t>
+            </a:r>
+          </a:p>
+          <a:p>
+            <a:endParaRPr lang="en-GB" sz="1400" dirty="0"/>
+          </a:p>
+          <a:p>
+            <a:endParaRPr lang="en-GB" sz="1400" dirty="0"/>
+          </a:p>
+          <a:p>
+            <a:r>
+              <a:rPr lang="en-GB" sz="1400" dirty="0"/>
+              <a:t>General M/g/m queue analysis</a:t>
+            </a:r>
+          </a:p>
+          <a:p>
+            <a:endParaRPr lang="en-GB" sz="1400" dirty="0"/>
+          </a:p>
+          <a:p>
+            <a:r>
+              <a:rPr lang="en-GB" sz="1400" dirty="0"/>
+              <a:t>Modification analysis of data queues</a:t>
+            </a:r>
+          </a:p>
+          <a:p>
+            <a:endParaRPr lang="en-GB" sz="1400" dirty="0"/>
+          </a:p>
+          <a:p>
+            <a:pPr marL="0" indent="0">
+              <a:buNone/>
+            </a:pPr>
+            <a:endParaRPr lang="en-GB" sz="1400" dirty="0"/>
+          </a:p>
+          <a:p>
+            <a:endParaRPr lang="en-GB" sz="1400" dirty="0"/>
           </a:p>
         </p:txBody>
       </p:sp>

--- a/Term3/PresentationMidPoint.pptx
+++ b/Term3/PresentationMidPoint.pptx
@@ -7,8 +7,7 @@
   <p:sldIdLst>
     <p:sldId id="259" r:id="rId2"/>
     <p:sldId id="260" r:id="rId3"/>
-    <p:sldId id="256" r:id="rId4"/>
-    <p:sldId id="257" r:id="rId5"/>
+    <p:sldId id="257" r:id="rId4"/>
   </p:sldIdLst>
   <p:sldSz cx="12192000" cy="6858000"/>
   <p:notesSz cx="6858000" cy="9144000"/>
@@ -4172,8 +4171,8 @@
         </p:nvSpPr>
         <p:spPr>
           <a:xfrm>
-            <a:off x="1794588" y="357252"/>
-            <a:ext cx="9144000" cy="4569310"/>
+            <a:off x="1328908" y="488746"/>
+            <a:ext cx="9144000" cy="673457"/>
           </a:xfrm>
         </p:spPr>
         <p:txBody>
@@ -4183,8 +4182,8 @@
           <a:lstStyle/>
           <a:p>
             <a:r>
-              <a:rPr lang="en-GB" sz="1400" dirty="0"/>
-              <a:t>- Given the original system, how high can I make N while keeping E [R] below some threshold? - Assume a fixed multiprogramming level, N. Given that we can make changes to the central subsystem, which changes will improve E [R] the most? - Batch systems are a type of closed system where typically one is running many jobs overnight and as soon as one job completes, another one is started. - Asymptotic bounds can be used to estimate the performance of closed systems as a function of the multiprogramming level N.</a:t>
+              <a:rPr lang="en-GB" sz="3200" dirty="0"/>
+              <a:t>Data source and data queue assumptions</a:t>
             </a:r>
           </a:p>
         </p:txBody>
@@ -4207,7 +4206,7 @@
         </p:nvSpPr>
         <p:spPr>
           <a:xfrm>
-            <a:off x="1524000" y="1437336"/>
+            <a:off x="4580195" y="2136490"/>
             <a:ext cx="9144000" cy="1655762"/>
           </a:xfrm>
         </p:spPr>
@@ -4215,129 +4214,9 @@
           <a:bodyPr/>
           <a:lstStyle/>
           <a:p>
-            <a:pPr marL="342900" indent="-342900" algn="l">
-              <a:buFont typeface="Arial" panose="020B0604020202020204" pitchFamily="34" charset="0"/>
-              <a:buChar char="•"/>
-            </a:pPr>
             <a:r>
               <a:rPr lang="en-GB" dirty="0"/>
-              <a:t>Operational laws</a:t>
-            </a:r>
-          </a:p>
-          <a:p>
-            <a:pPr marL="342900" indent="-342900" algn="l">
-              <a:buFont typeface="Arial" panose="020B0604020202020204" pitchFamily="34" charset="0"/>
-              <a:buChar char="•"/>
-            </a:pPr>
-            <a:r>
-              <a:rPr lang="en-GB" dirty="0"/>
-              <a:t>Little law for closed systems</a:t>
-            </a:r>
-          </a:p>
-          <a:p>
-            <a:pPr marL="342900" indent="-342900" algn="l">
-              <a:buFont typeface="Arial" panose="020B0604020202020204" pitchFamily="34" charset="0"/>
-              <a:buChar char="•"/>
-            </a:pPr>
-            <a:r>
-              <a:rPr lang="en-GB" dirty="0"/>
-              <a:t>Modification Analysis</a:t>
-            </a:r>
-          </a:p>
-          <a:p>
-            <a:endParaRPr lang="en-GB" dirty="0"/>
-          </a:p>
-        </p:txBody>
-      </p:sp>
-    </p:spTree>
-    <p:extLst>
-      <p:ext uri="{BB962C8B-B14F-4D97-AF65-F5344CB8AC3E}">
-        <p14:creationId xmlns:p14="http://schemas.microsoft.com/office/powerpoint/2010/main" val="1344572216"/>
-      </p:ext>
-    </p:extLst>
-  </p:cSld>
-  <p:clrMapOvr>
-    <a:masterClrMapping/>
-  </p:clrMapOvr>
-</p:sld>
-</file>
-
-<file path=ppt/slides/slide4.xml><?xml version="1.0" encoding="utf-8"?>
-<p:sld xmlns:a="http://schemas.openxmlformats.org/drawingml/2006/main" xmlns:r="http://schemas.openxmlformats.org/officeDocument/2006/relationships" xmlns:p="http://schemas.openxmlformats.org/presentationml/2006/main">
-  <p:cSld>
-    <p:spTree>
-      <p:nvGrpSpPr>
-        <p:cNvPr id="1" name=""/>
-        <p:cNvGrpSpPr/>
-        <p:nvPr/>
-      </p:nvGrpSpPr>
-      <p:grpSpPr>
-        <a:xfrm>
-          <a:off x="0" y="0"/>
-          <a:ext cx="0" cy="0"/>
-          <a:chOff x="0" y="0"/>
-          <a:chExt cx="0" cy="0"/>
-        </a:xfrm>
-      </p:grpSpPr>
-      <p:sp>
-        <p:nvSpPr>
-          <p:cNvPr id="2" name="Title 1">
-            <a:extLst>
-              <a:ext uri="{FF2B5EF4-FFF2-40B4-BE49-F238E27FC236}">
-                <a16:creationId xmlns:a16="http://schemas.microsoft.com/office/drawing/2014/main" id="{F892CF55-4B0A-2F62-D1A4-01AA11EAED54}"/>
-              </a:ext>
-            </a:extLst>
-          </p:cNvPr>
-          <p:cNvSpPr>
-            <a:spLocks noGrp="1"/>
-          </p:cNvSpPr>
-          <p:nvPr>
-            <p:ph type="ctrTitle"/>
-          </p:nvPr>
-        </p:nvSpPr>
-        <p:spPr>
-          <a:xfrm>
-            <a:off x="1300916" y="4154812"/>
-            <a:ext cx="9144000" cy="2387600"/>
-          </a:xfrm>
-        </p:spPr>
-        <p:txBody>
-          <a:bodyPr/>
-          <a:lstStyle/>
-          <a:p>
-            <a:endParaRPr lang="en-GB" dirty="0"/>
-          </a:p>
-        </p:txBody>
-      </p:sp>
-      <p:sp>
-        <p:nvSpPr>
-          <p:cNvPr id="3" name="Subtitle 2">
-            <a:extLst>
-              <a:ext uri="{FF2B5EF4-FFF2-40B4-BE49-F238E27FC236}">
-                <a16:creationId xmlns:a16="http://schemas.microsoft.com/office/drawing/2014/main" id="{8952CB54-1F4D-A056-812B-6B9B285B9525}"/>
-              </a:ext>
-            </a:extLst>
-          </p:cNvPr>
-          <p:cNvSpPr>
-            <a:spLocks noGrp="1"/>
-          </p:cNvSpPr>
-          <p:nvPr>
-            <p:ph type="subTitle" idx="1"/>
-          </p:nvPr>
-        </p:nvSpPr>
-        <p:spPr>
-          <a:xfrm>
-            <a:off x="-826463" y="2042319"/>
-            <a:ext cx="9144000" cy="1655762"/>
-          </a:xfrm>
-        </p:spPr>
-        <p:txBody>
-          <a:bodyPr/>
-          <a:lstStyle/>
-          <a:p>
-            <a:r>
-              <a:rPr lang="en-GB" dirty="0"/>
-              <a:t>How we go to m/d/1</a:t>
+              <a:t>m/d/1 data queue</a:t>
             </a:r>
           </a:p>
         </p:txBody>
@@ -4370,7 +4249,7 @@
         </p:blipFill>
         <p:spPr>
           <a:xfrm>
-            <a:off x="6926619" y="1455575"/>
+            <a:off x="936366" y="1735493"/>
             <a:ext cx="3360524" cy="2106597"/>
           </a:xfrm>
           <a:prstGeom prst="rect">
@@ -4378,6 +4257,786 @@
           </a:prstGeom>
         </p:spPr>
       </p:pic>
+      <p:pic>
+        <p:nvPicPr>
+          <p:cNvPr id="8" name="Picture 7" descr="A picture containing heart, logo, graphics, symbol&#10;&#10;Description automatically generated">
+            <a:extLst>
+              <a:ext uri="{FF2B5EF4-FFF2-40B4-BE49-F238E27FC236}">
+                <a16:creationId xmlns:a16="http://schemas.microsoft.com/office/drawing/2014/main" id="{340B4D26-5592-3A7D-7A2A-E59DCCDD67B6}"/>
+              </a:ext>
+            </a:extLst>
+          </p:cNvPr>
+          <p:cNvPicPr>
+            <a:picLocks noChangeAspect="1"/>
+          </p:cNvPicPr>
+          <p:nvPr/>
+        </p:nvPicPr>
+        <p:blipFill>
+          <a:blip r:embed="rId3">
+            <a:extLst>
+              <a:ext uri="{28A0092B-C50C-407E-A947-70E740481C1C}">
+                <a14:useLocalDpi xmlns:a14="http://schemas.microsoft.com/office/drawing/2010/main" val="0"/>
+              </a:ext>
+            </a:extLst>
+          </a:blip>
+          <a:stretch>
+            <a:fillRect/>
+          </a:stretch>
+        </p:blipFill>
+        <p:spPr>
+          <a:xfrm>
+            <a:off x="728124" y="4665305"/>
+            <a:ext cx="968366" cy="895739"/>
+          </a:xfrm>
+          <a:prstGeom prst="rect">
+            <a:avLst/>
+          </a:prstGeom>
+        </p:spPr>
+      </p:pic>
+      <p:pic>
+        <p:nvPicPr>
+          <p:cNvPr id="10" name="Picture 9" descr="A picture containing heart&#10;&#10;Description automatically generated">
+            <a:extLst>
+              <a:ext uri="{FF2B5EF4-FFF2-40B4-BE49-F238E27FC236}">
+                <a16:creationId xmlns:a16="http://schemas.microsoft.com/office/drawing/2014/main" id="{5167B996-14DE-6080-B5C1-E1AFF0A64B36}"/>
+              </a:ext>
+            </a:extLst>
+          </p:cNvPr>
+          <p:cNvPicPr>
+            <a:picLocks noChangeAspect="1"/>
+          </p:cNvPicPr>
+          <p:nvPr/>
+        </p:nvPicPr>
+        <p:blipFill>
+          <a:blip r:embed="rId4">
+            <a:extLst>
+              <a:ext uri="{28A0092B-C50C-407E-A947-70E740481C1C}">
+                <a14:useLocalDpi xmlns:a14="http://schemas.microsoft.com/office/drawing/2010/main" val="0"/>
+              </a:ext>
+            </a:extLst>
+          </a:blip>
+          <a:stretch>
+            <a:fillRect/>
+          </a:stretch>
+        </p:blipFill>
+        <p:spPr>
+          <a:xfrm>
+            <a:off x="2079171" y="4637313"/>
+            <a:ext cx="923731" cy="923731"/>
+          </a:xfrm>
+          <a:prstGeom prst="rect">
+            <a:avLst/>
+          </a:prstGeom>
+        </p:spPr>
+      </p:pic>
+      <p:pic>
+        <p:nvPicPr>
+          <p:cNvPr id="12" name="Picture 11">
+            <a:extLst>
+              <a:ext uri="{FF2B5EF4-FFF2-40B4-BE49-F238E27FC236}">
+                <a16:creationId xmlns:a16="http://schemas.microsoft.com/office/drawing/2014/main" id="{B92048F2-4A2B-35CA-7A73-E5DD07BFC02E}"/>
+              </a:ext>
+            </a:extLst>
+          </p:cNvPr>
+          <p:cNvPicPr>
+            <a:picLocks noChangeAspect="1"/>
+          </p:cNvPicPr>
+          <p:nvPr/>
+        </p:nvPicPr>
+        <p:blipFill>
+          <a:blip r:embed="rId5"/>
+          <a:stretch>
+            <a:fillRect/>
+          </a:stretch>
+        </p:blipFill>
+        <p:spPr>
+          <a:xfrm>
+            <a:off x="3324230" y="4685237"/>
+            <a:ext cx="1496069" cy="827881"/>
+          </a:xfrm>
+          <a:prstGeom prst="rect">
+            <a:avLst/>
+          </a:prstGeom>
+        </p:spPr>
+      </p:pic>
+      <p:pic>
+        <p:nvPicPr>
+          <p:cNvPr id="14" name="Picture 13" descr="A picture containing text, screenshot, logo, font&#10;&#10;Description automatically generated">
+            <a:extLst>
+              <a:ext uri="{FF2B5EF4-FFF2-40B4-BE49-F238E27FC236}">
+                <a16:creationId xmlns:a16="http://schemas.microsoft.com/office/drawing/2014/main" id="{8271DFD2-41F1-5DDB-5862-218E893424E3}"/>
+              </a:ext>
+            </a:extLst>
+          </p:cNvPr>
+          <p:cNvPicPr>
+            <a:picLocks noChangeAspect="1"/>
+          </p:cNvPicPr>
+          <p:nvPr/>
+        </p:nvPicPr>
+        <p:blipFill>
+          <a:blip r:embed="rId6">
+            <a:extLst>
+              <a:ext uri="{28A0092B-C50C-407E-A947-70E740481C1C}">
+                <a14:useLocalDpi xmlns:a14="http://schemas.microsoft.com/office/drawing/2010/main" val="0"/>
+              </a:ext>
+            </a:extLst>
+          </a:blip>
+          <a:stretch>
+            <a:fillRect/>
+          </a:stretch>
+        </p:blipFill>
+        <p:spPr>
+          <a:xfrm>
+            <a:off x="7464489" y="2788791"/>
+            <a:ext cx="3375412" cy="1766466"/>
+          </a:xfrm>
+          <a:prstGeom prst="rect">
+            <a:avLst/>
+          </a:prstGeom>
+        </p:spPr>
+      </p:pic>
+      <p:sp>
+        <p:nvSpPr>
+          <p:cNvPr id="15" name="Content Placeholder 2">
+            <a:extLst>
+              <a:ext uri="{FF2B5EF4-FFF2-40B4-BE49-F238E27FC236}">
+                <a16:creationId xmlns:a16="http://schemas.microsoft.com/office/drawing/2014/main" id="{480EFCCB-4795-E6DE-583C-F989C594A625}"/>
+              </a:ext>
+            </a:extLst>
+          </p:cNvPr>
+          <p:cNvSpPr txBox="1">
+            <a:spLocks/>
+          </p:cNvSpPr>
+          <p:nvPr/>
+        </p:nvSpPr>
+        <p:spPr>
+          <a:xfrm>
+            <a:off x="545064" y="4348994"/>
+            <a:ext cx="3068214" cy="288319"/>
+          </a:xfrm>
+          <a:prstGeom prst="rect">
+            <a:avLst/>
+          </a:prstGeom>
+        </p:spPr>
+        <p:txBody>
+          <a:bodyPr vert="horz" lIns="91440" tIns="45720" rIns="91440" bIns="45720" rtlCol="0">
+            <a:normAutofit/>
+          </a:bodyPr>
+          <a:lstStyle>
+            <a:lvl1pPr marL="228600" indent="-228600" algn="l" defTabSz="914400" rtl="0" eaLnBrk="1" latinLnBrk="0" hangingPunct="1">
+              <a:lnSpc>
+                <a:spcPct val="90000"/>
+              </a:lnSpc>
+              <a:spcBef>
+                <a:spcPts val="1000"/>
+              </a:spcBef>
+              <a:buFont typeface="Arial" panose="020B0604020202020204" pitchFamily="34" charset="0"/>
+              <a:buChar char="•"/>
+              <a:defRPr sz="2800" kern="1200">
+                <a:solidFill>
+                  <a:schemeClr val="tx1"/>
+                </a:solidFill>
+                <a:latin typeface="+mn-lt"/>
+                <a:ea typeface="+mn-ea"/>
+                <a:cs typeface="+mn-cs"/>
+              </a:defRPr>
+            </a:lvl1pPr>
+            <a:lvl2pPr marL="685800" indent="-228600" algn="l" defTabSz="914400" rtl="0" eaLnBrk="1" latinLnBrk="0" hangingPunct="1">
+              <a:lnSpc>
+                <a:spcPct val="90000"/>
+              </a:lnSpc>
+              <a:spcBef>
+                <a:spcPts val="500"/>
+              </a:spcBef>
+              <a:buFont typeface="Arial" panose="020B0604020202020204" pitchFamily="34" charset="0"/>
+              <a:buChar char="•"/>
+              <a:defRPr sz="2400" kern="1200">
+                <a:solidFill>
+                  <a:schemeClr val="tx1"/>
+                </a:solidFill>
+                <a:latin typeface="+mn-lt"/>
+                <a:ea typeface="+mn-ea"/>
+                <a:cs typeface="+mn-cs"/>
+              </a:defRPr>
+            </a:lvl2pPr>
+            <a:lvl3pPr marL="1143000" indent="-228600" algn="l" defTabSz="914400" rtl="0" eaLnBrk="1" latinLnBrk="0" hangingPunct="1">
+              <a:lnSpc>
+                <a:spcPct val="90000"/>
+              </a:lnSpc>
+              <a:spcBef>
+                <a:spcPts val="500"/>
+              </a:spcBef>
+              <a:buFont typeface="Arial" panose="020B0604020202020204" pitchFamily="34" charset="0"/>
+              <a:buChar char="•"/>
+              <a:defRPr sz="2000" kern="1200">
+                <a:solidFill>
+                  <a:schemeClr val="tx1"/>
+                </a:solidFill>
+                <a:latin typeface="+mn-lt"/>
+                <a:ea typeface="+mn-ea"/>
+                <a:cs typeface="+mn-cs"/>
+              </a:defRPr>
+            </a:lvl3pPr>
+            <a:lvl4pPr marL="1600200" indent="-228600" algn="l" defTabSz="914400" rtl="0" eaLnBrk="1" latinLnBrk="0" hangingPunct="1">
+              <a:lnSpc>
+                <a:spcPct val="90000"/>
+              </a:lnSpc>
+              <a:spcBef>
+                <a:spcPts val="500"/>
+              </a:spcBef>
+              <a:buFont typeface="Arial" panose="020B0604020202020204" pitchFamily="34" charset="0"/>
+              <a:buChar char="•"/>
+              <a:defRPr sz="1800" kern="1200">
+                <a:solidFill>
+                  <a:schemeClr val="tx1"/>
+                </a:solidFill>
+                <a:latin typeface="+mn-lt"/>
+                <a:ea typeface="+mn-ea"/>
+                <a:cs typeface="+mn-cs"/>
+              </a:defRPr>
+            </a:lvl4pPr>
+            <a:lvl5pPr marL="2057400" indent="-228600" algn="l" defTabSz="914400" rtl="0" eaLnBrk="1" latinLnBrk="0" hangingPunct="1">
+              <a:lnSpc>
+                <a:spcPct val="90000"/>
+              </a:lnSpc>
+              <a:spcBef>
+                <a:spcPts val="500"/>
+              </a:spcBef>
+              <a:buFont typeface="Arial" panose="020B0604020202020204" pitchFamily="34" charset="0"/>
+              <a:buChar char="•"/>
+              <a:defRPr sz="1800" kern="1200">
+                <a:solidFill>
+                  <a:schemeClr val="tx1"/>
+                </a:solidFill>
+                <a:latin typeface="+mn-lt"/>
+                <a:ea typeface="+mn-ea"/>
+                <a:cs typeface="+mn-cs"/>
+              </a:defRPr>
+            </a:lvl5pPr>
+            <a:lvl6pPr marL="2514600" indent="-228600" algn="l" defTabSz="914400" rtl="0" eaLnBrk="1" latinLnBrk="0" hangingPunct="1">
+              <a:lnSpc>
+                <a:spcPct val="90000"/>
+              </a:lnSpc>
+              <a:spcBef>
+                <a:spcPts val="500"/>
+              </a:spcBef>
+              <a:buFont typeface="Arial" panose="020B0604020202020204" pitchFamily="34" charset="0"/>
+              <a:buChar char="•"/>
+              <a:defRPr sz="1800" kern="1200">
+                <a:solidFill>
+                  <a:schemeClr val="tx1"/>
+                </a:solidFill>
+                <a:latin typeface="+mn-lt"/>
+                <a:ea typeface="+mn-ea"/>
+                <a:cs typeface="+mn-cs"/>
+              </a:defRPr>
+            </a:lvl6pPr>
+            <a:lvl7pPr marL="2971800" indent="-228600" algn="l" defTabSz="914400" rtl="0" eaLnBrk="1" latinLnBrk="0" hangingPunct="1">
+              <a:lnSpc>
+                <a:spcPct val="90000"/>
+              </a:lnSpc>
+              <a:spcBef>
+                <a:spcPts val="500"/>
+              </a:spcBef>
+              <a:buFont typeface="Arial" panose="020B0604020202020204" pitchFamily="34" charset="0"/>
+              <a:buChar char="•"/>
+              <a:defRPr sz="1800" kern="1200">
+                <a:solidFill>
+                  <a:schemeClr val="tx1"/>
+                </a:solidFill>
+                <a:latin typeface="+mn-lt"/>
+                <a:ea typeface="+mn-ea"/>
+                <a:cs typeface="+mn-cs"/>
+              </a:defRPr>
+            </a:lvl7pPr>
+            <a:lvl8pPr marL="3429000" indent="-228600" algn="l" defTabSz="914400" rtl="0" eaLnBrk="1" latinLnBrk="0" hangingPunct="1">
+              <a:lnSpc>
+                <a:spcPct val="90000"/>
+              </a:lnSpc>
+              <a:spcBef>
+                <a:spcPts val="500"/>
+              </a:spcBef>
+              <a:buFont typeface="Arial" panose="020B0604020202020204" pitchFamily="34" charset="0"/>
+              <a:buChar char="•"/>
+              <a:defRPr sz="1800" kern="1200">
+                <a:solidFill>
+                  <a:schemeClr val="tx1"/>
+                </a:solidFill>
+                <a:latin typeface="+mn-lt"/>
+                <a:ea typeface="+mn-ea"/>
+                <a:cs typeface="+mn-cs"/>
+              </a:defRPr>
+            </a:lvl8pPr>
+            <a:lvl9pPr marL="3886200" indent="-228600" algn="l" defTabSz="914400" rtl="0" eaLnBrk="1" latinLnBrk="0" hangingPunct="1">
+              <a:lnSpc>
+                <a:spcPct val="90000"/>
+              </a:lnSpc>
+              <a:spcBef>
+                <a:spcPts val="500"/>
+              </a:spcBef>
+              <a:buFont typeface="Arial" panose="020B0604020202020204" pitchFamily="34" charset="0"/>
+              <a:buChar char="•"/>
+              <a:defRPr sz="1800" kern="1200">
+                <a:solidFill>
+                  <a:schemeClr val="tx1"/>
+                </a:solidFill>
+                <a:latin typeface="+mn-lt"/>
+                <a:ea typeface="+mn-ea"/>
+                <a:cs typeface="+mn-cs"/>
+              </a:defRPr>
+            </a:lvl9pPr>
+          </a:lstStyle>
+          <a:p>
+            <a:pPr marL="0" indent="0">
+              <a:buNone/>
+            </a:pPr>
+            <a:r>
+              <a:rPr lang="en-GB" sz="1400" dirty="0"/>
+              <a:t>Heart rate</a:t>
+            </a:r>
+          </a:p>
+          <a:p>
+            <a:endParaRPr lang="en-GB" sz="1400" dirty="0"/>
+          </a:p>
+          <a:p>
+            <a:pPr marL="0" indent="0">
+              <a:buNone/>
+            </a:pPr>
+            <a:endParaRPr lang="en-GB" sz="1400" dirty="0"/>
+          </a:p>
+          <a:p>
+            <a:endParaRPr lang="en-GB" sz="1400" dirty="0"/>
+          </a:p>
+        </p:txBody>
+      </p:sp>
+      <p:sp>
+        <p:nvSpPr>
+          <p:cNvPr id="16" name="Content Placeholder 2">
+            <a:extLst>
+              <a:ext uri="{FF2B5EF4-FFF2-40B4-BE49-F238E27FC236}">
+                <a16:creationId xmlns:a16="http://schemas.microsoft.com/office/drawing/2014/main" id="{D7FE4176-50F6-4FFF-C581-B395A0A81122}"/>
+              </a:ext>
+            </a:extLst>
+          </p:cNvPr>
+          <p:cNvSpPr txBox="1">
+            <a:spLocks/>
+          </p:cNvSpPr>
+          <p:nvPr/>
+        </p:nvSpPr>
+        <p:spPr>
+          <a:xfrm>
+            <a:off x="1831053" y="4348994"/>
+            <a:ext cx="3068214" cy="288319"/>
+          </a:xfrm>
+          <a:prstGeom prst="rect">
+            <a:avLst/>
+          </a:prstGeom>
+        </p:spPr>
+        <p:txBody>
+          <a:bodyPr vert="horz" lIns="91440" tIns="45720" rIns="91440" bIns="45720" rtlCol="0">
+            <a:normAutofit/>
+          </a:bodyPr>
+          <a:lstStyle>
+            <a:lvl1pPr marL="228600" indent="-228600" algn="l" defTabSz="914400" rtl="0" eaLnBrk="1" latinLnBrk="0" hangingPunct="1">
+              <a:lnSpc>
+                <a:spcPct val="90000"/>
+              </a:lnSpc>
+              <a:spcBef>
+                <a:spcPts val="1000"/>
+              </a:spcBef>
+              <a:buFont typeface="Arial" panose="020B0604020202020204" pitchFamily="34" charset="0"/>
+              <a:buChar char="•"/>
+              <a:defRPr sz="2800" kern="1200">
+                <a:solidFill>
+                  <a:schemeClr val="tx1"/>
+                </a:solidFill>
+                <a:latin typeface="+mn-lt"/>
+                <a:ea typeface="+mn-ea"/>
+                <a:cs typeface="+mn-cs"/>
+              </a:defRPr>
+            </a:lvl1pPr>
+            <a:lvl2pPr marL="685800" indent="-228600" algn="l" defTabSz="914400" rtl="0" eaLnBrk="1" latinLnBrk="0" hangingPunct="1">
+              <a:lnSpc>
+                <a:spcPct val="90000"/>
+              </a:lnSpc>
+              <a:spcBef>
+                <a:spcPts val="500"/>
+              </a:spcBef>
+              <a:buFont typeface="Arial" panose="020B0604020202020204" pitchFamily="34" charset="0"/>
+              <a:buChar char="•"/>
+              <a:defRPr sz="2400" kern="1200">
+                <a:solidFill>
+                  <a:schemeClr val="tx1"/>
+                </a:solidFill>
+                <a:latin typeface="+mn-lt"/>
+                <a:ea typeface="+mn-ea"/>
+                <a:cs typeface="+mn-cs"/>
+              </a:defRPr>
+            </a:lvl2pPr>
+            <a:lvl3pPr marL="1143000" indent="-228600" algn="l" defTabSz="914400" rtl="0" eaLnBrk="1" latinLnBrk="0" hangingPunct="1">
+              <a:lnSpc>
+                <a:spcPct val="90000"/>
+              </a:lnSpc>
+              <a:spcBef>
+                <a:spcPts val="500"/>
+              </a:spcBef>
+              <a:buFont typeface="Arial" panose="020B0604020202020204" pitchFamily="34" charset="0"/>
+              <a:buChar char="•"/>
+              <a:defRPr sz="2000" kern="1200">
+                <a:solidFill>
+                  <a:schemeClr val="tx1"/>
+                </a:solidFill>
+                <a:latin typeface="+mn-lt"/>
+                <a:ea typeface="+mn-ea"/>
+                <a:cs typeface="+mn-cs"/>
+              </a:defRPr>
+            </a:lvl3pPr>
+            <a:lvl4pPr marL="1600200" indent="-228600" algn="l" defTabSz="914400" rtl="0" eaLnBrk="1" latinLnBrk="0" hangingPunct="1">
+              <a:lnSpc>
+                <a:spcPct val="90000"/>
+              </a:lnSpc>
+              <a:spcBef>
+                <a:spcPts val="500"/>
+              </a:spcBef>
+              <a:buFont typeface="Arial" panose="020B0604020202020204" pitchFamily="34" charset="0"/>
+              <a:buChar char="•"/>
+              <a:defRPr sz="1800" kern="1200">
+                <a:solidFill>
+                  <a:schemeClr val="tx1"/>
+                </a:solidFill>
+                <a:latin typeface="+mn-lt"/>
+                <a:ea typeface="+mn-ea"/>
+                <a:cs typeface="+mn-cs"/>
+              </a:defRPr>
+            </a:lvl4pPr>
+            <a:lvl5pPr marL="2057400" indent="-228600" algn="l" defTabSz="914400" rtl="0" eaLnBrk="1" latinLnBrk="0" hangingPunct="1">
+              <a:lnSpc>
+                <a:spcPct val="90000"/>
+              </a:lnSpc>
+              <a:spcBef>
+                <a:spcPts val="500"/>
+              </a:spcBef>
+              <a:buFont typeface="Arial" panose="020B0604020202020204" pitchFamily="34" charset="0"/>
+              <a:buChar char="•"/>
+              <a:defRPr sz="1800" kern="1200">
+                <a:solidFill>
+                  <a:schemeClr val="tx1"/>
+                </a:solidFill>
+                <a:latin typeface="+mn-lt"/>
+                <a:ea typeface="+mn-ea"/>
+                <a:cs typeface="+mn-cs"/>
+              </a:defRPr>
+            </a:lvl5pPr>
+            <a:lvl6pPr marL="2514600" indent="-228600" algn="l" defTabSz="914400" rtl="0" eaLnBrk="1" latinLnBrk="0" hangingPunct="1">
+              <a:lnSpc>
+                <a:spcPct val="90000"/>
+              </a:lnSpc>
+              <a:spcBef>
+                <a:spcPts val="500"/>
+              </a:spcBef>
+              <a:buFont typeface="Arial" panose="020B0604020202020204" pitchFamily="34" charset="0"/>
+              <a:buChar char="•"/>
+              <a:defRPr sz="1800" kern="1200">
+                <a:solidFill>
+                  <a:schemeClr val="tx1"/>
+                </a:solidFill>
+                <a:latin typeface="+mn-lt"/>
+                <a:ea typeface="+mn-ea"/>
+                <a:cs typeface="+mn-cs"/>
+              </a:defRPr>
+            </a:lvl6pPr>
+            <a:lvl7pPr marL="2971800" indent="-228600" algn="l" defTabSz="914400" rtl="0" eaLnBrk="1" latinLnBrk="0" hangingPunct="1">
+              <a:lnSpc>
+                <a:spcPct val="90000"/>
+              </a:lnSpc>
+              <a:spcBef>
+                <a:spcPts val="500"/>
+              </a:spcBef>
+              <a:buFont typeface="Arial" panose="020B0604020202020204" pitchFamily="34" charset="0"/>
+              <a:buChar char="•"/>
+              <a:defRPr sz="1800" kern="1200">
+                <a:solidFill>
+                  <a:schemeClr val="tx1"/>
+                </a:solidFill>
+                <a:latin typeface="+mn-lt"/>
+                <a:ea typeface="+mn-ea"/>
+                <a:cs typeface="+mn-cs"/>
+              </a:defRPr>
+            </a:lvl7pPr>
+            <a:lvl8pPr marL="3429000" indent="-228600" algn="l" defTabSz="914400" rtl="0" eaLnBrk="1" latinLnBrk="0" hangingPunct="1">
+              <a:lnSpc>
+                <a:spcPct val="90000"/>
+              </a:lnSpc>
+              <a:spcBef>
+                <a:spcPts val="500"/>
+              </a:spcBef>
+              <a:buFont typeface="Arial" panose="020B0604020202020204" pitchFamily="34" charset="0"/>
+              <a:buChar char="•"/>
+              <a:defRPr sz="1800" kern="1200">
+                <a:solidFill>
+                  <a:schemeClr val="tx1"/>
+                </a:solidFill>
+                <a:latin typeface="+mn-lt"/>
+                <a:ea typeface="+mn-ea"/>
+                <a:cs typeface="+mn-cs"/>
+              </a:defRPr>
+            </a:lvl8pPr>
+            <a:lvl9pPr marL="3886200" indent="-228600" algn="l" defTabSz="914400" rtl="0" eaLnBrk="1" latinLnBrk="0" hangingPunct="1">
+              <a:lnSpc>
+                <a:spcPct val="90000"/>
+              </a:lnSpc>
+              <a:spcBef>
+                <a:spcPts val="500"/>
+              </a:spcBef>
+              <a:buFont typeface="Arial" panose="020B0604020202020204" pitchFamily="34" charset="0"/>
+              <a:buChar char="•"/>
+              <a:defRPr sz="1800" kern="1200">
+                <a:solidFill>
+                  <a:schemeClr val="tx1"/>
+                </a:solidFill>
+                <a:latin typeface="+mn-lt"/>
+                <a:ea typeface="+mn-ea"/>
+                <a:cs typeface="+mn-cs"/>
+              </a:defRPr>
+            </a:lvl9pPr>
+          </a:lstStyle>
+          <a:p>
+            <a:pPr marL="0" indent="0">
+              <a:buNone/>
+            </a:pPr>
+            <a:r>
+              <a:rPr lang="en-GB" sz="1400" dirty="0"/>
+              <a:t>Respiratory force</a:t>
+            </a:r>
+          </a:p>
+          <a:p>
+            <a:endParaRPr lang="en-GB" sz="1400" dirty="0"/>
+          </a:p>
+          <a:p>
+            <a:pPr marL="0" indent="0">
+              <a:buNone/>
+            </a:pPr>
+            <a:endParaRPr lang="en-GB" sz="1400" dirty="0"/>
+          </a:p>
+          <a:p>
+            <a:endParaRPr lang="en-GB" sz="1400" dirty="0"/>
+          </a:p>
+        </p:txBody>
+      </p:sp>
+      <p:sp>
+        <p:nvSpPr>
+          <p:cNvPr id="17" name="Content Placeholder 2">
+            <a:extLst>
+              <a:ext uri="{FF2B5EF4-FFF2-40B4-BE49-F238E27FC236}">
+                <a16:creationId xmlns:a16="http://schemas.microsoft.com/office/drawing/2014/main" id="{C6C0CEE4-566E-0249-29EA-EA6DA669E3B6}"/>
+              </a:ext>
+            </a:extLst>
+          </p:cNvPr>
+          <p:cNvSpPr txBox="1">
+            <a:spLocks/>
+          </p:cNvSpPr>
+          <p:nvPr/>
+        </p:nvSpPr>
+        <p:spPr>
+          <a:xfrm>
+            <a:off x="3329393" y="4372956"/>
+            <a:ext cx="3068214" cy="288319"/>
+          </a:xfrm>
+          <a:prstGeom prst="rect">
+            <a:avLst/>
+          </a:prstGeom>
+        </p:spPr>
+        <p:txBody>
+          <a:bodyPr vert="horz" lIns="91440" tIns="45720" rIns="91440" bIns="45720" rtlCol="0">
+            <a:normAutofit/>
+          </a:bodyPr>
+          <a:lstStyle>
+            <a:lvl1pPr marL="228600" indent="-228600" algn="l" defTabSz="914400" rtl="0" eaLnBrk="1" latinLnBrk="0" hangingPunct="1">
+              <a:lnSpc>
+                <a:spcPct val="90000"/>
+              </a:lnSpc>
+              <a:spcBef>
+                <a:spcPts val="1000"/>
+              </a:spcBef>
+              <a:buFont typeface="Arial" panose="020B0604020202020204" pitchFamily="34" charset="0"/>
+              <a:buChar char="•"/>
+              <a:defRPr sz="2800" kern="1200">
+                <a:solidFill>
+                  <a:schemeClr val="tx1"/>
+                </a:solidFill>
+                <a:latin typeface="+mn-lt"/>
+                <a:ea typeface="+mn-ea"/>
+                <a:cs typeface="+mn-cs"/>
+              </a:defRPr>
+            </a:lvl1pPr>
+            <a:lvl2pPr marL="685800" indent="-228600" algn="l" defTabSz="914400" rtl="0" eaLnBrk="1" latinLnBrk="0" hangingPunct="1">
+              <a:lnSpc>
+                <a:spcPct val="90000"/>
+              </a:lnSpc>
+              <a:spcBef>
+                <a:spcPts val="500"/>
+              </a:spcBef>
+              <a:buFont typeface="Arial" panose="020B0604020202020204" pitchFamily="34" charset="0"/>
+              <a:buChar char="•"/>
+              <a:defRPr sz="2400" kern="1200">
+                <a:solidFill>
+                  <a:schemeClr val="tx1"/>
+                </a:solidFill>
+                <a:latin typeface="+mn-lt"/>
+                <a:ea typeface="+mn-ea"/>
+                <a:cs typeface="+mn-cs"/>
+              </a:defRPr>
+            </a:lvl2pPr>
+            <a:lvl3pPr marL="1143000" indent="-228600" algn="l" defTabSz="914400" rtl="0" eaLnBrk="1" latinLnBrk="0" hangingPunct="1">
+              <a:lnSpc>
+                <a:spcPct val="90000"/>
+              </a:lnSpc>
+              <a:spcBef>
+                <a:spcPts val="500"/>
+              </a:spcBef>
+              <a:buFont typeface="Arial" panose="020B0604020202020204" pitchFamily="34" charset="0"/>
+              <a:buChar char="•"/>
+              <a:defRPr sz="2000" kern="1200">
+                <a:solidFill>
+                  <a:schemeClr val="tx1"/>
+                </a:solidFill>
+                <a:latin typeface="+mn-lt"/>
+                <a:ea typeface="+mn-ea"/>
+                <a:cs typeface="+mn-cs"/>
+              </a:defRPr>
+            </a:lvl3pPr>
+            <a:lvl4pPr marL="1600200" indent="-228600" algn="l" defTabSz="914400" rtl="0" eaLnBrk="1" latinLnBrk="0" hangingPunct="1">
+              <a:lnSpc>
+                <a:spcPct val="90000"/>
+              </a:lnSpc>
+              <a:spcBef>
+                <a:spcPts val="500"/>
+              </a:spcBef>
+              <a:buFont typeface="Arial" panose="020B0604020202020204" pitchFamily="34" charset="0"/>
+              <a:buChar char="•"/>
+              <a:defRPr sz="1800" kern="1200">
+                <a:solidFill>
+                  <a:schemeClr val="tx1"/>
+                </a:solidFill>
+                <a:latin typeface="+mn-lt"/>
+                <a:ea typeface="+mn-ea"/>
+                <a:cs typeface="+mn-cs"/>
+              </a:defRPr>
+            </a:lvl4pPr>
+            <a:lvl5pPr marL="2057400" indent="-228600" algn="l" defTabSz="914400" rtl="0" eaLnBrk="1" latinLnBrk="0" hangingPunct="1">
+              <a:lnSpc>
+                <a:spcPct val="90000"/>
+              </a:lnSpc>
+              <a:spcBef>
+                <a:spcPts val="500"/>
+              </a:spcBef>
+              <a:buFont typeface="Arial" panose="020B0604020202020204" pitchFamily="34" charset="0"/>
+              <a:buChar char="•"/>
+              <a:defRPr sz="1800" kern="1200">
+                <a:solidFill>
+                  <a:schemeClr val="tx1"/>
+                </a:solidFill>
+                <a:latin typeface="+mn-lt"/>
+                <a:ea typeface="+mn-ea"/>
+                <a:cs typeface="+mn-cs"/>
+              </a:defRPr>
+            </a:lvl5pPr>
+            <a:lvl6pPr marL="2514600" indent="-228600" algn="l" defTabSz="914400" rtl="0" eaLnBrk="1" latinLnBrk="0" hangingPunct="1">
+              <a:lnSpc>
+                <a:spcPct val="90000"/>
+              </a:lnSpc>
+              <a:spcBef>
+                <a:spcPts val="500"/>
+              </a:spcBef>
+              <a:buFont typeface="Arial" panose="020B0604020202020204" pitchFamily="34" charset="0"/>
+              <a:buChar char="•"/>
+              <a:defRPr sz="1800" kern="1200">
+                <a:solidFill>
+                  <a:schemeClr val="tx1"/>
+                </a:solidFill>
+                <a:latin typeface="+mn-lt"/>
+                <a:ea typeface="+mn-ea"/>
+                <a:cs typeface="+mn-cs"/>
+              </a:defRPr>
+            </a:lvl6pPr>
+            <a:lvl7pPr marL="2971800" indent="-228600" algn="l" defTabSz="914400" rtl="0" eaLnBrk="1" latinLnBrk="0" hangingPunct="1">
+              <a:lnSpc>
+                <a:spcPct val="90000"/>
+              </a:lnSpc>
+              <a:spcBef>
+                <a:spcPts val="500"/>
+              </a:spcBef>
+              <a:buFont typeface="Arial" panose="020B0604020202020204" pitchFamily="34" charset="0"/>
+              <a:buChar char="•"/>
+              <a:defRPr sz="1800" kern="1200">
+                <a:solidFill>
+                  <a:schemeClr val="tx1"/>
+                </a:solidFill>
+                <a:latin typeface="+mn-lt"/>
+                <a:ea typeface="+mn-ea"/>
+                <a:cs typeface="+mn-cs"/>
+              </a:defRPr>
+            </a:lvl7pPr>
+            <a:lvl8pPr marL="3429000" indent="-228600" algn="l" defTabSz="914400" rtl="0" eaLnBrk="1" latinLnBrk="0" hangingPunct="1">
+              <a:lnSpc>
+                <a:spcPct val="90000"/>
+              </a:lnSpc>
+              <a:spcBef>
+                <a:spcPts val="500"/>
+              </a:spcBef>
+              <a:buFont typeface="Arial" panose="020B0604020202020204" pitchFamily="34" charset="0"/>
+              <a:buChar char="•"/>
+              <a:defRPr sz="1800" kern="1200">
+                <a:solidFill>
+                  <a:schemeClr val="tx1"/>
+                </a:solidFill>
+                <a:latin typeface="+mn-lt"/>
+                <a:ea typeface="+mn-ea"/>
+                <a:cs typeface="+mn-cs"/>
+              </a:defRPr>
+            </a:lvl8pPr>
+            <a:lvl9pPr marL="3886200" indent="-228600" algn="l" defTabSz="914400" rtl="0" eaLnBrk="1" latinLnBrk="0" hangingPunct="1">
+              <a:lnSpc>
+                <a:spcPct val="90000"/>
+              </a:lnSpc>
+              <a:spcBef>
+                <a:spcPts val="500"/>
+              </a:spcBef>
+              <a:buFont typeface="Arial" panose="020B0604020202020204" pitchFamily="34" charset="0"/>
+              <a:buChar char="•"/>
+              <a:defRPr sz="1800" kern="1200">
+                <a:solidFill>
+                  <a:schemeClr val="tx1"/>
+                </a:solidFill>
+                <a:latin typeface="+mn-lt"/>
+                <a:ea typeface="+mn-ea"/>
+                <a:cs typeface="+mn-cs"/>
+              </a:defRPr>
+            </a:lvl9pPr>
+          </a:lstStyle>
+          <a:p>
+            <a:pPr marL="0" indent="0">
+              <a:buNone/>
+            </a:pPr>
+            <a:r>
+              <a:rPr lang="en-GB" sz="1400" dirty="0"/>
+              <a:t>Blood oxygen concentration</a:t>
+            </a:r>
+          </a:p>
+          <a:p>
+            <a:endParaRPr lang="en-GB" sz="1400" dirty="0"/>
+          </a:p>
+          <a:p>
+            <a:pPr marL="0" indent="0">
+              <a:buNone/>
+            </a:pPr>
+            <a:endParaRPr lang="en-GB" sz="1400" dirty="0"/>
+          </a:p>
+          <a:p>
+            <a:endParaRPr lang="en-GB" sz="1400" dirty="0"/>
+          </a:p>
+        </p:txBody>
+      </p:sp>
     </p:spTree>
     <p:extLst>
       <p:ext uri="{BB962C8B-B14F-4D97-AF65-F5344CB8AC3E}">

--- a/Term3/PresentationMidPoint.pptx
+++ b/Term3/PresentationMidPoint.pptx
@@ -3360,10 +3360,10 @@
       </p:sp>
       <p:pic>
         <p:nvPicPr>
-          <p:cNvPr id="4" name="Picture 3" descr="A diagram of data pipeline">
-            <a:extLst>
-              <a:ext uri="{FF2B5EF4-FFF2-40B4-BE49-F238E27FC236}">
-                <a16:creationId xmlns:a16="http://schemas.microsoft.com/office/drawing/2014/main" id="{38B4F3D6-5D27-FF97-166E-BE2009CD7FE3}"/>
+          <p:cNvPr id="8" name="Picture 7" descr="A diagram of data processing&#10;&#10;Description automatically generated with low confidence">
+            <a:extLst>
+              <a:ext uri="{FF2B5EF4-FFF2-40B4-BE49-F238E27FC236}">
+                <a16:creationId xmlns:a16="http://schemas.microsoft.com/office/drawing/2014/main" id="{0427EB9B-EBA8-9E2D-6D22-FC68B7DB87F3}"/>
               </a:ext>
             </a:extLst>
           </p:cNvPr>
@@ -3386,8 +3386,8 @@
         </p:blipFill>
         <p:spPr>
           <a:xfrm>
-            <a:off x="1925993" y="1907721"/>
-            <a:ext cx="7460603" cy="4662877"/>
+            <a:off x="1935324" y="2088501"/>
+            <a:ext cx="7171353" cy="4482096"/>
           </a:xfrm>
           <a:prstGeom prst="rect">
             <a:avLst/>

--- a/Term3/PresentationMidPoint.pptx
+++ b/Term3/PresentationMidPoint.pptx
@@ -4,6 +4,9 @@
   <p:sldMasterIdLst>
     <p:sldMasterId id="2147483648" r:id="rId1"/>
   </p:sldMasterIdLst>
+  <p:notesMasterIdLst>
+    <p:notesMasterId r:id="rId5"/>
+  </p:notesMasterIdLst>
   <p:sldIdLst>
     <p:sldId id="259" r:id="rId2"/>
     <p:sldId id="260" r:id="rId3"/>
@@ -112,6 +115,696 @@
     </p:ext>
   </p:extLst>
 </p:presentation>
+</file>
+
+<file path=ppt/notesMasters/notesMaster1.xml><?xml version="1.0" encoding="utf-8"?>
+<p:notesMaster xmlns:a="http://schemas.openxmlformats.org/drawingml/2006/main" xmlns:r="http://schemas.openxmlformats.org/officeDocument/2006/relationships" xmlns:p="http://schemas.openxmlformats.org/presentationml/2006/main">
+  <p:cSld>
+    <p:bg>
+      <p:bgRef idx="1001">
+        <a:schemeClr val="bg1"/>
+      </p:bgRef>
+    </p:bg>
+    <p:spTree>
+      <p:nvGrpSpPr>
+        <p:cNvPr id="1" name=""/>
+        <p:cNvGrpSpPr/>
+        <p:nvPr/>
+      </p:nvGrpSpPr>
+      <p:grpSpPr>
+        <a:xfrm>
+          <a:off x="0" y="0"/>
+          <a:ext cx="0" cy="0"/>
+          <a:chOff x="0" y="0"/>
+          <a:chExt cx="0" cy="0"/>
+        </a:xfrm>
+      </p:grpSpPr>
+      <p:sp>
+        <p:nvSpPr>
+          <p:cNvPr id="2" name="Header Placeholder 1"/>
+          <p:cNvSpPr>
+            <a:spLocks noGrp="1"/>
+          </p:cNvSpPr>
+          <p:nvPr>
+            <p:ph type="hdr" sz="quarter"/>
+          </p:nvPr>
+        </p:nvSpPr>
+        <p:spPr>
+          <a:xfrm>
+            <a:off x="0" y="0"/>
+            <a:ext cx="2971800" cy="458788"/>
+          </a:xfrm>
+          <a:prstGeom prst="rect">
+            <a:avLst/>
+          </a:prstGeom>
+        </p:spPr>
+        <p:txBody>
+          <a:bodyPr vert="horz" lIns="91440" tIns="45720" rIns="91440" bIns="45720" rtlCol="0"/>
+          <a:lstStyle>
+            <a:lvl1pPr algn="l">
+              <a:defRPr sz="1200"/>
+            </a:lvl1pPr>
+          </a:lstStyle>
+          <a:p>
+            <a:endParaRPr lang="en-GB"/>
+          </a:p>
+        </p:txBody>
+      </p:sp>
+      <p:sp>
+        <p:nvSpPr>
+          <p:cNvPr id="3" name="Date Placeholder 2"/>
+          <p:cNvSpPr>
+            <a:spLocks noGrp="1"/>
+          </p:cNvSpPr>
+          <p:nvPr>
+            <p:ph type="dt" idx="1"/>
+          </p:nvPr>
+        </p:nvSpPr>
+        <p:spPr>
+          <a:xfrm>
+            <a:off x="3884613" y="0"/>
+            <a:ext cx="2971800" cy="458788"/>
+          </a:xfrm>
+          <a:prstGeom prst="rect">
+            <a:avLst/>
+          </a:prstGeom>
+        </p:spPr>
+        <p:txBody>
+          <a:bodyPr vert="horz" lIns="91440" tIns="45720" rIns="91440" bIns="45720" rtlCol="0"/>
+          <a:lstStyle>
+            <a:lvl1pPr algn="r">
+              <a:defRPr sz="1200"/>
+            </a:lvl1pPr>
+          </a:lstStyle>
+          <a:p>
+            <a:fld id="{9C39B866-E4EF-4316-86BD-4F1A63ABF058}" type="datetimeFigureOut">
+              <a:rPr lang="en-GB" smtClean="0"/>
+              <a:t>29/06/2023</a:t>
+            </a:fld>
+            <a:endParaRPr lang="en-GB"/>
+          </a:p>
+        </p:txBody>
+      </p:sp>
+      <p:sp>
+        <p:nvSpPr>
+          <p:cNvPr id="4" name="Slide Image Placeholder 3"/>
+          <p:cNvSpPr>
+            <a:spLocks noGrp="1" noRot="1" noChangeAspect="1"/>
+          </p:cNvSpPr>
+          <p:nvPr>
+            <p:ph type="sldImg" idx="2"/>
+          </p:nvPr>
+        </p:nvSpPr>
+        <p:spPr>
+          <a:xfrm>
+            <a:off x="685800" y="1143000"/>
+            <a:ext cx="5486400" cy="3086100"/>
+          </a:xfrm>
+          <a:prstGeom prst="rect">
+            <a:avLst/>
+          </a:prstGeom>
+          <a:noFill/>
+          <a:ln w="12700">
+            <a:solidFill>
+              <a:prstClr val="black"/>
+            </a:solidFill>
+          </a:ln>
+        </p:spPr>
+        <p:txBody>
+          <a:bodyPr vert="horz" lIns="91440" tIns="45720" rIns="91440" bIns="45720" rtlCol="0" anchor="ctr"/>
+          <a:lstStyle/>
+          <a:p>
+            <a:endParaRPr lang="en-GB"/>
+          </a:p>
+        </p:txBody>
+      </p:sp>
+      <p:sp>
+        <p:nvSpPr>
+          <p:cNvPr id="5" name="Notes Placeholder 4"/>
+          <p:cNvSpPr>
+            <a:spLocks noGrp="1"/>
+          </p:cNvSpPr>
+          <p:nvPr>
+            <p:ph type="body" sz="quarter" idx="3"/>
+          </p:nvPr>
+        </p:nvSpPr>
+        <p:spPr>
+          <a:xfrm>
+            <a:off x="685800" y="4400550"/>
+            <a:ext cx="5486400" cy="3600450"/>
+          </a:xfrm>
+          <a:prstGeom prst="rect">
+            <a:avLst/>
+          </a:prstGeom>
+        </p:spPr>
+        <p:txBody>
+          <a:bodyPr vert="horz" lIns="91440" tIns="45720" rIns="91440" bIns="45720" rtlCol="0"/>
+          <a:lstStyle/>
+          <a:p>
+            <a:pPr lvl="0"/>
+            <a:r>
+              <a:rPr lang="en-GB"/>
+              <a:t>Click to edit Master text styles</a:t>
+            </a:r>
+          </a:p>
+          <a:p>
+            <a:pPr lvl="1"/>
+            <a:r>
+              <a:rPr lang="en-GB"/>
+              <a:t>Second level</a:t>
+            </a:r>
+          </a:p>
+          <a:p>
+            <a:pPr lvl="2"/>
+            <a:r>
+              <a:rPr lang="en-GB"/>
+              <a:t>Third level</a:t>
+            </a:r>
+          </a:p>
+          <a:p>
+            <a:pPr lvl="3"/>
+            <a:r>
+              <a:rPr lang="en-GB"/>
+              <a:t>Fourth level</a:t>
+            </a:r>
+          </a:p>
+          <a:p>
+            <a:pPr lvl="4"/>
+            <a:r>
+              <a:rPr lang="en-GB"/>
+              <a:t>Fifth level</a:t>
+            </a:r>
+          </a:p>
+        </p:txBody>
+      </p:sp>
+      <p:sp>
+        <p:nvSpPr>
+          <p:cNvPr id="6" name="Footer Placeholder 5"/>
+          <p:cNvSpPr>
+            <a:spLocks noGrp="1"/>
+          </p:cNvSpPr>
+          <p:nvPr>
+            <p:ph type="ftr" sz="quarter" idx="4"/>
+          </p:nvPr>
+        </p:nvSpPr>
+        <p:spPr>
+          <a:xfrm>
+            <a:off x="0" y="8685213"/>
+            <a:ext cx="2971800" cy="458787"/>
+          </a:xfrm>
+          <a:prstGeom prst="rect">
+            <a:avLst/>
+          </a:prstGeom>
+        </p:spPr>
+        <p:txBody>
+          <a:bodyPr vert="horz" lIns="91440" tIns="45720" rIns="91440" bIns="45720" rtlCol="0" anchor="b"/>
+          <a:lstStyle>
+            <a:lvl1pPr algn="l">
+              <a:defRPr sz="1200"/>
+            </a:lvl1pPr>
+          </a:lstStyle>
+          <a:p>
+            <a:endParaRPr lang="en-GB"/>
+          </a:p>
+        </p:txBody>
+      </p:sp>
+      <p:sp>
+        <p:nvSpPr>
+          <p:cNvPr id="7" name="Slide Number Placeholder 6"/>
+          <p:cNvSpPr>
+            <a:spLocks noGrp="1"/>
+          </p:cNvSpPr>
+          <p:nvPr>
+            <p:ph type="sldNum" sz="quarter" idx="5"/>
+          </p:nvPr>
+        </p:nvSpPr>
+        <p:spPr>
+          <a:xfrm>
+            <a:off x="3884613" y="8685213"/>
+            <a:ext cx="2971800" cy="458787"/>
+          </a:xfrm>
+          <a:prstGeom prst="rect">
+            <a:avLst/>
+          </a:prstGeom>
+        </p:spPr>
+        <p:txBody>
+          <a:bodyPr vert="horz" lIns="91440" tIns="45720" rIns="91440" bIns="45720" rtlCol="0" anchor="b"/>
+          <a:lstStyle>
+            <a:lvl1pPr algn="r">
+              <a:defRPr sz="1200"/>
+            </a:lvl1pPr>
+          </a:lstStyle>
+          <a:p>
+            <a:fld id="{9D92A627-6C5A-46D5-9839-0447DED33D25}" type="slidenum">
+              <a:rPr lang="en-GB" smtClean="0"/>
+              <a:t>‹#›</a:t>
+            </a:fld>
+            <a:endParaRPr lang="en-GB"/>
+          </a:p>
+        </p:txBody>
+      </p:sp>
+    </p:spTree>
+    <p:extLst>
+      <p:ext uri="{BB962C8B-B14F-4D97-AF65-F5344CB8AC3E}">
+        <p14:creationId xmlns:p14="http://schemas.microsoft.com/office/powerpoint/2010/main" val="865711284"/>
+      </p:ext>
+    </p:extLst>
+  </p:cSld>
+  <p:clrMap bg1="lt1" tx1="dk1" bg2="lt2" tx2="dk2" accent1="accent1" accent2="accent2" accent3="accent3" accent4="accent4" accent5="accent5" accent6="accent6" hlink="hlink" folHlink="folHlink"/>
+  <p:notesStyle>
+    <a:lvl1pPr marL="0" algn="l" defTabSz="914400" rtl="0" eaLnBrk="1" latinLnBrk="0" hangingPunct="1">
+      <a:defRPr sz="1200" kern="1200">
+        <a:solidFill>
+          <a:schemeClr val="tx1"/>
+        </a:solidFill>
+        <a:latin typeface="+mn-lt"/>
+        <a:ea typeface="+mn-ea"/>
+        <a:cs typeface="+mn-cs"/>
+      </a:defRPr>
+    </a:lvl1pPr>
+    <a:lvl2pPr marL="457200" algn="l" defTabSz="914400" rtl="0" eaLnBrk="1" latinLnBrk="0" hangingPunct="1">
+      <a:defRPr sz="1200" kern="1200">
+        <a:solidFill>
+          <a:schemeClr val="tx1"/>
+        </a:solidFill>
+        <a:latin typeface="+mn-lt"/>
+        <a:ea typeface="+mn-ea"/>
+        <a:cs typeface="+mn-cs"/>
+      </a:defRPr>
+    </a:lvl2pPr>
+    <a:lvl3pPr marL="914400" algn="l" defTabSz="914400" rtl="0" eaLnBrk="1" latinLnBrk="0" hangingPunct="1">
+      <a:defRPr sz="1200" kern="1200">
+        <a:solidFill>
+          <a:schemeClr val="tx1"/>
+        </a:solidFill>
+        <a:latin typeface="+mn-lt"/>
+        <a:ea typeface="+mn-ea"/>
+        <a:cs typeface="+mn-cs"/>
+      </a:defRPr>
+    </a:lvl3pPr>
+    <a:lvl4pPr marL="1371600" algn="l" defTabSz="914400" rtl="0" eaLnBrk="1" latinLnBrk="0" hangingPunct="1">
+      <a:defRPr sz="1200" kern="1200">
+        <a:solidFill>
+          <a:schemeClr val="tx1"/>
+        </a:solidFill>
+        <a:latin typeface="+mn-lt"/>
+        <a:ea typeface="+mn-ea"/>
+        <a:cs typeface="+mn-cs"/>
+      </a:defRPr>
+    </a:lvl4pPr>
+    <a:lvl5pPr marL="1828800" algn="l" defTabSz="914400" rtl="0" eaLnBrk="1" latinLnBrk="0" hangingPunct="1">
+      <a:defRPr sz="1200" kern="1200">
+        <a:solidFill>
+          <a:schemeClr val="tx1"/>
+        </a:solidFill>
+        <a:latin typeface="+mn-lt"/>
+        <a:ea typeface="+mn-ea"/>
+        <a:cs typeface="+mn-cs"/>
+      </a:defRPr>
+    </a:lvl5pPr>
+    <a:lvl6pPr marL="2286000" algn="l" defTabSz="914400" rtl="0" eaLnBrk="1" latinLnBrk="0" hangingPunct="1">
+      <a:defRPr sz="1200" kern="1200">
+        <a:solidFill>
+          <a:schemeClr val="tx1"/>
+        </a:solidFill>
+        <a:latin typeface="+mn-lt"/>
+        <a:ea typeface="+mn-ea"/>
+        <a:cs typeface="+mn-cs"/>
+      </a:defRPr>
+    </a:lvl6pPr>
+    <a:lvl7pPr marL="2743200" algn="l" defTabSz="914400" rtl="0" eaLnBrk="1" latinLnBrk="0" hangingPunct="1">
+      <a:defRPr sz="1200" kern="1200">
+        <a:solidFill>
+          <a:schemeClr val="tx1"/>
+        </a:solidFill>
+        <a:latin typeface="+mn-lt"/>
+        <a:ea typeface="+mn-ea"/>
+        <a:cs typeface="+mn-cs"/>
+      </a:defRPr>
+    </a:lvl7pPr>
+    <a:lvl8pPr marL="3200400" algn="l" defTabSz="914400" rtl="0" eaLnBrk="1" latinLnBrk="0" hangingPunct="1">
+      <a:defRPr sz="1200" kern="1200">
+        <a:solidFill>
+          <a:schemeClr val="tx1"/>
+        </a:solidFill>
+        <a:latin typeface="+mn-lt"/>
+        <a:ea typeface="+mn-ea"/>
+        <a:cs typeface="+mn-cs"/>
+      </a:defRPr>
+    </a:lvl8pPr>
+    <a:lvl9pPr marL="3657600" algn="l" defTabSz="914400" rtl="0" eaLnBrk="1" latinLnBrk="0" hangingPunct="1">
+      <a:defRPr sz="1200" kern="1200">
+        <a:solidFill>
+          <a:schemeClr val="tx1"/>
+        </a:solidFill>
+        <a:latin typeface="+mn-lt"/>
+        <a:ea typeface="+mn-ea"/>
+        <a:cs typeface="+mn-cs"/>
+      </a:defRPr>
+    </a:lvl9pPr>
+  </p:notesStyle>
+</p:notesMaster>
+</file>
+
+<file path=ppt/notesSlides/notesSlide1.xml><?xml version="1.0" encoding="utf-8"?>
+<p:notes xmlns:a="http://schemas.openxmlformats.org/drawingml/2006/main" xmlns:r="http://schemas.openxmlformats.org/officeDocument/2006/relationships" xmlns:p="http://schemas.openxmlformats.org/presentationml/2006/main">
+  <p:cSld>
+    <p:spTree>
+      <p:nvGrpSpPr>
+        <p:cNvPr id="1" name=""/>
+        <p:cNvGrpSpPr/>
+        <p:nvPr/>
+      </p:nvGrpSpPr>
+      <p:grpSpPr>
+        <a:xfrm>
+          <a:off x="0" y="0"/>
+          <a:ext cx="0" cy="0"/>
+          <a:chOff x="0" y="0"/>
+          <a:chExt cx="0" cy="0"/>
+        </a:xfrm>
+      </p:grpSpPr>
+      <p:sp>
+        <p:nvSpPr>
+          <p:cNvPr id="2" name="Slide Image Placeholder 1"/>
+          <p:cNvSpPr>
+            <a:spLocks noGrp="1" noRot="1" noChangeAspect="1"/>
+          </p:cNvSpPr>
+          <p:nvPr>
+            <p:ph type="sldImg"/>
+          </p:nvPr>
+        </p:nvSpPr>
+        <p:spPr/>
+      </p:sp>
+      <p:sp>
+        <p:nvSpPr>
+          <p:cNvPr id="3" name="Notes Placeholder 2"/>
+          <p:cNvSpPr>
+            <a:spLocks noGrp="1"/>
+          </p:cNvSpPr>
+          <p:nvPr>
+            <p:ph type="body" idx="1"/>
+          </p:nvPr>
+        </p:nvSpPr>
+        <p:spPr/>
+        <p:txBody>
+          <a:bodyPr/>
+          <a:lstStyle/>
+          <a:p>
+            <a:r>
+              <a:rPr lang="en-GB" sz="1200" dirty="0"/>
+              <a:t>What are the performance characteristics, efficiency, and impact of modifications within a data processing framework</a:t>
+            </a:r>
+            <a:br>
+              <a:rPr lang="en-GB" sz="1200" dirty="0"/>
+            </a:br>
+            <a:br>
+              <a:rPr lang="en-GB" sz="1200" dirty="0"/>
+            </a:br>
+            <a:r>
+              <a:rPr lang="en-GB" sz="1200" dirty="0"/>
+              <a:t>as we can see from the figure of my prototype, we have an initial raw data source that will access our data pipeline through </a:t>
+            </a:r>
+            <a:r>
+              <a:rPr lang="en-GB" sz="1200" dirty="0" err="1"/>
+              <a:t>api</a:t>
+            </a:r>
+            <a:r>
+              <a:rPr lang="en-GB" sz="1200" dirty="0"/>
+              <a:t> calls, transforms the data into a readable standardised format and stores it ready for analysis.</a:t>
+            </a:r>
+          </a:p>
+          <a:p>
+            <a:endParaRPr lang="en-GB" sz="1200" dirty="0"/>
+          </a:p>
+          <a:p>
+            <a:r>
+              <a:rPr lang="en-GB" sz="1200" dirty="0"/>
+              <a:t>During this process we will record the travel time and processing time of each of the requests and we will use these as the prior for our analysis.</a:t>
+            </a:r>
+            <a:endParaRPr lang="en-GB" dirty="0"/>
+          </a:p>
+        </p:txBody>
+      </p:sp>
+      <p:sp>
+        <p:nvSpPr>
+          <p:cNvPr id="4" name="Slide Number Placeholder 3"/>
+          <p:cNvSpPr>
+            <a:spLocks noGrp="1"/>
+          </p:cNvSpPr>
+          <p:nvPr>
+            <p:ph type="sldNum" sz="quarter" idx="5"/>
+          </p:nvPr>
+        </p:nvSpPr>
+        <p:spPr/>
+        <p:txBody>
+          <a:bodyPr/>
+          <a:lstStyle/>
+          <a:p>
+            <a:fld id="{9D92A627-6C5A-46D5-9839-0447DED33D25}" type="slidenum">
+              <a:rPr lang="en-GB" smtClean="0"/>
+              <a:t>1</a:t>
+            </a:fld>
+            <a:endParaRPr lang="en-GB"/>
+          </a:p>
+        </p:txBody>
+      </p:sp>
+    </p:spTree>
+    <p:extLst>
+      <p:ext uri="{BB962C8B-B14F-4D97-AF65-F5344CB8AC3E}">
+        <p14:creationId xmlns:p14="http://schemas.microsoft.com/office/powerpoint/2010/main" val="334203272"/>
+      </p:ext>
+    </p:extLst>
+  </p:cSld>
+  <p:clrMapOvr>
+    <a:masterClrMapping/>
+  </p:clrMapOvr>
+</p:notes>
+</file>
+
+<file path=ppt/notesSlides/notesSlide2.xml><?xml version="1.0" encoding="utf-8"?>
+<p:notes xmlns:a="http://schemas.openxmlformats.org/drawingml/2006/main" xmlns:r="http://schemas.openxmlformats.org/officeDocument/2006/relationships" xmlns:p="http://schemas.openxmlformats.org/presentationml/2006/main">
+  <p:cSld>
+    <p:spTree>
+      <p:nvGrpSpPr>
+        <p:cNvPr id="1" name=""/>
+        <p:cNvGrpSpPr/>
+        <p:nvPr/>
+      </p:nvGrpSpPr>
+      <p:grpSpPr>
+        <a:xfrm>
+          <a:off x="0" y="0"/>
+          <a:ext cx="0" cy="0"/>
+          <a:chOff x="0" y="0"/>
+          <a:chExt cx="0" cy="0"/>
+        </a:xfrm>
+      </p:grpSpPr>
+      <p:sp>
+        <p:nvSpPr>
+          <p:cNvPr id="2" name="Slide Image Placeholder 1"/>
+          <p:cNvSpPr>
+            <a:spLocks noGrp="1" noRot="1" noChangeAspect="1"/>
+          </p:cNvSpPr>
+          <p:nvPr>
+            <p:ph type="sldImg"/>
+          </p:nvPr>
+        </p:nvSpPr>
+        <p:spPr/>
+      </p:sp>
+      <p:sp>
+        <p:nvSpPr>
+          <p:cNvPr id="3" name="Notes Placeholder 2"/>
+          <p:cNvSpPr>
+            <a:spLocks noGrp="1"/>
+          </p:cNvSpPr>
+          <p:nvPr>
+            <p:ph type="body" idx="1"/>
+          </p:nvPr>
+        </p:nvSpPr>
+        <p:spPr/>
+        <p:txBody>
+          <a:bodyPr/>
+          <a:lstStyle/>
+          <a:p>
+            <a:r>
+              <a:rPr lang="en-GB" dirty="0"/>
+              <a:t>For the literature review I have first started by having a look at the current challenges in the field as well as the current state of the art.</a:t>
+            </a:r>
+          </a:p>
+          <a:p>
+            <a:endParaRPr lang="en-GB" dirty="0"/>
+          </a:p>
+          <a:p>
+            <a:r>
+              <a:rPr lang="en-GB" dirty="0"/>
+              <a:t>After revising the state of the art I have designated </a:t>
+            </a:r>
+            <a:r>
+              <a:rPr lang="en-GB" dirty="0" err="1"/>
+              <a:t>apache</a:t>
+            </a:r>
+            <a:r>
+              <a:rPr lang="en-GB" dirty="0"/>
+              <a:t> Kafka as the most adequate tool to build my demo and start simulating the travel and processing time data</a:t>
+            </a:r>
+          </a:p>
+          <a:p>
+            <a:endParaRPr lang="en-GB" dirty="0"/>
+          </a:p>
+          <a:p>
+            <a:r>
+              <a:rPr lang="en-GB" dirty="0"/>
+              <a:t>Furthermore, I have investigated general modelling for a M/M/1 queue using the basis of M/m/m </a:t>
+            </a:r>
+          </a:p>
+          <a:p>
+            <a:endParaRPr lang="en-GB" dirty="0"/>
+          </a:p>
+          <a:p>
+            <a:r>
+              <a:rPr lang="en-GB" dirty="0"/>
+              <a:t>Lastly, I have read about how to do modification analysis to further analyse the impact of each of the previously recorded parameters</a:t>
+            </a:r>
+          </a:p>
+        </p:txBody>
+      </p:sp>
+      <p:sp>
+        <p:nvSpPr>
+          <p:cNvPr id="4" name="Slide Number Placeholder 3"/>
+          <p:cNvSpPr>
+            <a:spLocks noGrp="1"/>
+          </p:cNvSpPr>
+          <p:nvPr>
+            <p:ph type="sldNum" sz="quarter" idx="5"/>
+          </p:nvPr>
+        </p:nvSpPr>
+        <p:spPr/>
+        <p:txBody>
+          <a:bodyPr/>
+          <a:lstStyle/>
+          <a:p>
+            <a:fld id="{9D92A627-6C5A-46D5-9839-0447DED33D25}" type="slidenum">
+              <a:rPr lang="en-GB" smtClean="0"/>
+              <a:t>2</a:t>
+            </a:fld>
+            <a:endParaRPr lang="en-GB"/>
+          </a:p>
+        </p:txBody>
+      </p:sp>
+    </p:spTree>
+    <p:extLst>
+      <p:ext uri="{BB962C8B-B14F-4D97-AF65-F5344CB8AC3E}">
+        <p14:creationId xmlns:p14="http://schemas.microsoft.com/office/powerpoint/2010/main" val="2741372246"/>
+      </p:ext>
+    </p:extLst>
+  </p:cSld>
+  <p:clrMapOvr>
+    <a:masterClrMapping/>
+  </p:clrMapOvr>
+</p:notes>
+</file>
+
+<file path=ppt/notesSlides/notesSlide3.xml><?xml version="1.0" encoding="utf-8"?>
+<p:notes xmlns:a="http://schemas.openxmlformats.org/drawingml/2006/main" xmlns:r="http://schemas.openxmlformats.org/officeDocument/2006/relationships" xmlns:p="http://schemas.openxmlformats.org/presentationml/2006/main">
+  <p:cSld>
+    <p:spTree>
+      <p:nvGrpSpPr>
+        <p:cNvPr id="1" name=""/>
+        <p:cNvGrpSpPr/>
+        <p:nvPr/>
+      </p:nvGrpSpPr>
+      <p:grpSpPr>
+        <a:xfrm>
+          <a:off x="0" y="0"/>
+          <a:ext cx="0" cy="0"/>
+          <a:chOff x="0" y="0"/>
+          <a:chExt cx="0" cy="0"/>
+        </a:xfrm>
+      </p:grpSpPr>
+      <p:sp>
+        <p:nvSpPr>
+          <p:cNvPr id="2" name="Slide Image Placeholder 1"/>
+          <p:cNvSpPr>
+            <a:spLocks noGrp="1" noRot="1" noChangeAspect="1"/>
+          </p:cNvSpPr>
+          <p:nvPr>
+            <p:ph type="sldImg"/>
+          </p:nvPr>
+        </p:nvSpPr>
+        <p:spPr/>
+      </p:sp>
+      <p:sp>
+        <p:nvSpPr>
+          <p:cNvPr id="3" name="Notes Placeholder 2"/>
+          <p:cNvSpPr>
+            <a:spLocks noGrp="1"/>
+          </p:cNvSpPr>
+          <p:nvPr>
+            <p:ph type="body" idx="1"/>
+          </p:nvPr>
+        </p:nvSpPr>
+        <p:spPr/>
+        <p:txBody>
+          <a:bodyPr/>
+          <a:lstStyle/>
+          <a:p>
+            <a:r>
+              <a:rPr lang="en-GB" dirty="0"/>
+              <a:t>For the initial data source I have used a dataset of a timeseries recording of heart rate, respiratory force and bloody oxygen concentration that is freely available on </a:t>
+            </a:r>
+            <a:r>
+              <a:rPr lang="en-GB" dirty="0" err="1"/>
+              <a:t>physionet</a:t>
+            </a:r>
+            <a:r>
+              <a:rPr lang="en-GB" dirty="0"/>
+              <a:t>.</a:t>
+            </a:r>
+          </a:p>
+          <a:p>
+            <a:endParaRPr lang="en-GB" dirty="0"/>
+          </a:p>
+          <a:p>
+            <a:r>
+              <a:rPr lang="en-GB" dirty="0"/>
+              <a:t>For my data pipeline I have narrowed it down to an M/d/1 which has the following assumptions, Markovian assumption of independence, memoryless and stationary of the arrival of new messages  , determinist payloads, which means all the messages arriving in the queue are determined to follow a specific standardised format and such should not vary in processing time between each of the messages and the 1 server which can only process one single message at the time.</a:t>
+            </a:r>
+          </a:p>
+        </p:txBody>
+      </p:sp>
+      <p:sp>
+        <p:nvSpPr>
+          <p:cNvPr id="4" name="Slide Number Placeholder 3"/>
+          <p:cNvSpPr>
+            <a:spLocks noGrp="1"/>
+          </p:cNvSpPr>
+          <p:nvPr>
+            <p:ph type="sldNum" sz="quarter" idx="5"/>
+          </p:nvPr>
+        </p:nvSpPr>
+        <p:spPr/>
+        <p:txBody>
+          <a:bodyPr/>
+          <a:lstStyle/>
+          <a:p>
+            <a:fld id="{9D92A627-6C5A-46D5-9839-0447DED33D25}" type="slidenum">
+              <a:rPr lang="en-GB" smtClean="0"/>
+              <a:t>3</a:t>
+            </a:fld>
+            <a:endParaRPr lang="en-GB"/>
+          </a:p>
+        </p:txBody>
+      </p:sp>
+    </p:spTree>
+    <p:extLst>
+      <p:ext uri="{BB962C8B-B14F-4D97-AF65-F5344CB8AC3E}">
+        <p14:creationId xmlns:p14="http://schemas.microsoft.com/office/powerpoint/2010/main" val="524443657"/>
+      </p:ext>
+    </p:extLst>
+  </p:cSld>
+  <p:clrMapOvr>
+    <a:masterClrMapping/>
+  </p:clrMapOvr>
+</p:notes>
 </file>
 
 <file path=ppt/slideLayouts/slideLayout1.xml><?xml version="1.0" encoding="utf-8"?>
@@ -3353,7 +4046,7 @@
           <a:p>
             <a:r>
               <a:rPr lang="en-GB" sz="3200" dirty="0"/>
-              <a:t>What are the performance characteristics, efficiency, and impact of modifications on the data queue within a data processing framework?</a:t>
+              <a:t>What are the performance characteristics, efficiency, and impact of modifications within a data processing framework?</a:t>
             </a:r>
           </a:p>
         </p:txBody>
@@ -3373,7 +4066,7 @@
           <p:nvPr/>
         </p:nvPicPr>
         <p:blipFill>
-          <a:blip r:embed="rId2">
+          <a:blip r:embed="rId3">
             <a:extLst>
               <a:ext uri="{28A0092B-C50C-407E-A947-70E740481C1C}">
                 <a14:useLocalDpi xmlns:a14="http://schemas.microsoft.com/office/drawing/2010/main" val="0"/>
@@ -4061,7 +4754,7 @@
           <a:p>
             <a:r>
               <a:rPr lang="en-GB" sz="1400" dirty="0"/>
-              <a:t>Current cloud computing challenges</a:t>
+              <a:t>Current cloud computing challenges </a:t>
             </a:r>
           </a:p>
           <a:p>
@@ -4097,7 +4790,7 @@
           <a:p>
             <a:r>
               <a:rPr lang="en-GB" sz="1400" dirty="0"/>
-              <a:t>General M/g/m queue analysis</a:t>
+              <a:t>General M/m/m queue analysis</a:t>
             </a:r>
           </a:p>
           <a:p>
@@ -4106,7 +4799,7 @@
           <a:p>
             <a:r>
               <a:rPr lang="en-GB" sz="1400" dirty="0"/>
-              <a:t>Modification analysis of data queues</a:t>
+              <a:t>Modification analysis  and modelling of data queues</a:t>
             </a:r>
           </a:p>
           <a:p>
@@ -4216,7 +4909,7 @@
           <a:p>
             <a:r>
               <a:rPr lang="en-GB" dirty="0"/>
-              <a:t>m/d/1 data queue</a:t>
+              <a:t>M/d/1 data queue</a:t>
             </a:r>
           </a:p>
         </p:txBody>
@@ -4236,7 +4929,7 @@
           <p:nvPr/>
         </p:nvPicPr>
         <p:blipFill>
-          <a:blip r:embed="rId2">
+          <a:blip r:embed="rId3">
             <a:extLst>
               <a:ext uri="{28A0092B-C50C-407E-A947-70E740481C1C}">
                 <a14:useLocalDpi xmlns:a14="http://schemas.microsoft.com/office/drawing/2010/main" val="0"/>
@@ -4272,7 +4965,7 @@
           <p:nvPr/>
         </p:nvPicPr>
         <p:blipFill>
-          <a:blip r:embed="rId3">
+          <a:blip r:embed="rId4">
             <a:extLst>
               <a:ext uri="{28A0092B-C50C-407E-A947-70E740481C1C}">
                 <a14:useLocalDpi xmlns:a14="http://schemas.microsoft.com/office/drawing/2010/main" val="0"/>
@@ -4308,7 +5001,7 @@
           <p:nvPr/>
         </p:nvPicPr>
         <p:blipFill>
-          <a:blip r:embed="rId4">
+          <a:blip r:embed="rId5">
             <a:extLst>
               <a:ext uri="{28A0092B-C50C-407E-A947-70E740481C1C}">
                 <a14:useLocalDpi xmlns:a14="http://schemas.microsoft.com/office/drawing/2010/main" val="0"/>
@@ -4344,7 +5037,7 @@
           <p:nvPr/>
         </p:nvPicPr>
         <p:blipFill>
-          <a:blip r:embed="rId5"/>
+          <a:blip r:embed="rId6"/>
           <a:stretch>
             <a:fillRect/>
           </a:stretch>
@@ -4374,7 +5067,7 @@
           <p:nvPr/>
         </p:nvPicPr>
         <p:blipFill>
-          <a:blip r:embed="rId6">
+          <a:blip r:embed="rId7">
             <a:extLst>
               <a:ext uri="{28A0092B-C50C-407E-A947-70E740481C1C}">
                 <a14:useLocalDpi xmlns:a14="http://schemas.microsoft.com/office/drawing/2010/main" val="0"/>
@@ -5033,6 +5726,237 @@
             <a:endParaRPr lang="en-GB" sz="1400" dirty="0"/>
           </a:p>
           <a:p>
+            <a:endParaRPr lang="en-GB" sz="1400" dirty="0"/>
+          </a:p>
+        </p:txBody>
+      </p:sp>
+      <p:sp>
+        <p:nvSpPr>
+          <p:cNvPr id="18" name="Subtitle 2">
+            <a:extLst>
+              <a:ext uri="{FF2B5EF4-FFF2-40B4-BE49-F238E27FC236}">
+                <a16:creationId xmlns:a16="http://schemas.microsoft.com/office/drawing/2014/main" id="{B8D5FFE1-F574-5846-6B70-896C4A62508D}"/>
+              </a:ext>
+            </a:extLst>
+          </p:cNvPr>
+          <p:cNvSpPr txBox="1">
+            <a:spLocks/>
+          </p:cNvSpPr>
+          <p:nvPr/>
+        </p:nvSpPr>
+        <p:spPr>
+          <a:xfrm>
+            <a:off x="7620000" y="4940650"/>
+            <a:ext cx="3843876" cy="1655762"/>
+          </a:xfrm>
+          <a:prstGeom prst="rect">
+            <a:avLst/>
+          </a:prstGeom>
+        </p:spPr>
+        <p:txBody>
+          <a:bodyPr vert="horz" lIns="91440" tIns="45720" rIns="91440" bIns="45720" rtlCol="0">
+            <a:normAutofit/>
+          </a:bodyPr>
+          <a:lstStyle>
+            <a:lvl1pPr marL="0" indent="0" algn="ctr" defTabSz="914400" rtl="0" eaLnBrk="1" latinLnBrk="0" hangingPunct="1">
+              <a:lnSpc>
+                <a:spcPct val="90000"/>
+              </a:lnSpc>
+              <a:spcBef>
+                <a:spcPts val="1000"/>
+              </a:spcBef>
+              <a:buFont typeface="Arial" panose="020B0604020202020204" pitchFamily="34" charset="0"/>
+              <a:buNone/>
+              <a:defRPr sz="2400" kern="1200">
+                <a:solidFill>
+                  <a:schemeClr val="tx1"/>
+                </a:solidFill>
+                <a:latin typeface="+mn-lt"/>
+                <a:ea typeface="+mn-ea"/>
+                <a:cs typeface="+mn-cs"/>
+              </a:defRPr>
+            </a:lvl1pPr>
+            <a:lvl2pPr marL="457200" indent="0" algn="ctr" defTabSz="914400" rtl="0" eaLnBrk="1" latinLnBrk="0" hangingPunct="1">
+              <a:lnSpc>
+                <a:spcPct val="90000"/>
+              </a:lnSpc>
+              <a:spcBef>
+                <a:spcPts val="500"/>
+              </a:spcBef>
+              <a:buFont typeface="Arial" panose="020B0604020202020204" pitchFamily="34" charset="0"/>
+              <a:buNone/>
+              <a:defRPr sz="2000" kern="1200">
+                <a:solidFill>
+                  <a:schemeClr val="tx1"/>
+                </a:solidFill>
+                <a:latin typeface="+mn-lt"/>
+                <a:ea typeface="+mn-ea"/>
+                <a:cs typeface="+mn-cs"/>
+              </a:defRPr>
+            </a:lvl2pPr>
+            <a:lvl3pPr marL="914400" indent="0" algn="ctr" defTabSz="914400" rtl="0" eaLnBrk="1" latinLnBrk="0" hangingPunct="1">
+              <a:lnSpc>
+                <a:spcPct val="90000"/>
+              </a:lnSpc>
+              <a:spcBef>
+                <a:spcPts val="500"/>
+              </a:spcBef>
+              <a:buFont typeface="Arial" panose="020B0604020202020204" pitchFamily="34" charset="0"/>
+              <a:buNone/>
+              <a:defRPr sz="1800" kern="1200">
+                <a:solidFill>
+                  <a:schemeClr val="tx1"/>
+                </a:solidFill>
+                <a:latin typeface="+mn-lt"/>
+                <a:ea typeface="+mn-ea"/>
+                <a:cs typeface="+mn-cs"/>
+              </a:defRPr>
+            </a:lvl3pPr>
+            <a:lvl4pPr marL="1371600" indent="0" algn="ctr" defTabSz="914400" rtl="0" eaLnBrk="1" latinLnBrk="0" hangingPunct="1">
+              <a:lnSpc>
+                <a:spcPct val="90000"/>
+              </a:lnSpc>
+              <a:spcBef>
+                <a:spcPts val="500"/>
+              </a:spcBef>
+              <a:buFont typeface="Arial" panose="020B0604020202020204" pitchFamily="34" charset="0"/>
+              <a:buNone/>
+              <a:defRPr sz="1600" kern="1200">
+                <a:solidFill>
+                  <a:schemeClr val="tx1"/>
+                </a:solidFill>
+                <a:latin typeface="+mn-lt"/>
+                <a:ea typeface="+mn-ea"/>
+                <a:cs typeface="+mn-cs"/>
+              </a:defRPr>
+            </a:lvl4pPr>
+            <a:lvl5pPr marL="1828800" indent="0" algn="ctr" defTabSz="914400" rtl="0" eaLnBrk="1" latinLnBrk="0" hangingPunct="1">
+              <a:lnSpc>
+                <a:spcPct val="90000"/>
+              </a:lnSpc>
+              <a:spcBef>
+                <a:spcPts val="500"/>
+              </a:spcBef>
+              <a:buFont typeface="Arial" panose="020B0604020202020204" pitchFamily="34" charset="0"/>
+              <a:buNone/>
+              <a:defRPr sz="1600" kern="1200">
+                <a:solidFill>
+                  <a:schemeClr val="tx1"/>
+                </a:solidFill>
+                <a:latin typeface="+mn-lt"/>
+                <a:ea typeface="+mn-ea"/>
+                <a:cs typeface="+mn-cs"/>
+              </a:defRPr>
+            </a:lvl5pPr>
+            <a:lvl6pPr marL="2286000" indent="0" algn="ctr" defTabSz="914400" rtl="0" eaLnBrk="1" latinLnBrk="0" hangingPunct="1">
+              <a:lnSpc>
+                <a:spcPct val="90000"/>
+              </a:lnSpc>
+              <a:spcBef>
+                <a:spcPts val="500"/>
+              </a:spcBef>
+              <a:buFont typeface="Arial" panose="020B0604020202020204" pitchFamily="34" charset="0"/>
+              <a:buNone/>
+              <a:defRPr sz="1600" kern="1200">
+                <a:solidFill>
+                  <a:schemeClr val="tx1"/>
+                </a:solidFill>
+                <a:latin typeface="+mn-lt"/>
+                <a:ea typeface="+mn-ea"/>
+                <a:cs typeface="+mn-cs"/>
+              </a:defRPr>
+            </a:lvl6pPr>
+            <a:lvl7pPr marL="2743200" indent="0" algn="ctr" defTabSz="914400" rtl="0" eaLnBrk="1" latinLnBrk="0" hangingPunct="1">
+              <a:lnSpc>
+                <a:spcPct val="90000"/>
+              </a:lnSpc>
+              <a:spcBef>
+                <a:spcPts val="500"/>
+              </a:spcBef>
+              <a:buFont typeface="Arial" panose="020B0604020202020204" pitchFamily="34" charset="0"/>
+              <a:buNone/>
+              <a:defRPr sz="1600" kern="1200">
+                <a:solidFill>
+                  <a:schemeClr val="tx1"/>
+                </a:solidFill>
+                <a:latin typeface="+mn-lt"/>
+                <a:ea typeface="+mn-ea"/>
+                <a:cs typeface="+mn-cs"/>
+              </a:defRPr>
+            </a:lvl7pPr>
+            <a:lvl8pPr marL="3200400" indent="0" algn="ctr" defTabSz="914400" rtl="0" eaLnBrk="1" latinLnBrk="0" hangingPunct="1">
+              <a:lnSpc>
+                <a:spcPct val="90000"/>
+              </a:lnSpc>
+              <a:spcBef>
+                <a:spcPts val="500"/>
+              </a:spcBef>
+              <a:buFont typeface="Arial" panose="020B0604020202020204" pitchFamily="34" charset="0"/>
+              <a:buNone/>
+              <a:defRPr sz="1600" kern="1200">
+                <a:solidFill>
+                  <a:schemeClr val="tx1"/>
+                </a:solidFill>
+                <a:latin typeface="+mn-lt"/>
+                <a:ea typeface="+mn-ea"/>
+                <a:cs typeface="+mn-cs"/>
+              </a:defRPr>
+            </a:lvl8pPr>
+            <a:lvl9pPr marL="3657600" indent="0" algn="ctr" defTabSz="914400" rtl="0" eaLnBrk="1" latinLnBrk="0" hangingPunct="1">
+              <a:lnSpc>
+                <a:spcPct val="90000"/>
+              </a:lnSpc>
+              <a:spcBef>
+                <a:spcPts val="500"/>
+              </a:spcBef>
+              <a:buFont typeface="Arial" panose="020B0604020202020204" pitchFamily="34" charset="0"/>
+              <a:buNone/>
+              <a:defRPr sz="1600" kern="1200">
+                <a:solidFill>
+                  <a:schemeClr val="tx1"/>
+                </a:solidFill>
+                <a:latin typeface="+mn-lt"/>
+                <a:ea typeface="+mn-ea"/>
+                <a:cs typeface="+mn-cs"/>
+              </a:defRPr>
+            </a:lvl9pPr>
+          </a:lstStyle>
+          <a:p>
+            <a:pPr marL="285750" indent="-285750" algn="l">
+              <a:buFont typeface="Arial" panose="020B0604020202020204" pitchFamily="34" charset="0"/>
+              <a:buChar char="•"/>
+            </a:pPr>
+            <a:r>
+              <a:rPr lang="en-GB" sz="1400" dirty="0"/>
+              <a:t>Markovian</a:t>
+            </a:r>
+          </a:p>
+          <a:p>
+            <a:pPr marL="285750" indent="-285750" algn="l">
+              <a:buFont typeface="Arial" panose="020B0604020202020204" pitchFamily="34" charset="0"/>
+              <a:buChar char="•"/>
+            </a:pPr>
+            <a:r>
+              <a:rPr lang="en-GB" sz="1400" dirty="0"/>
+              <a:t>Deterministic</a:t>
+            </a:r>
+          </a:p>
+          <a:p>
+            <a:pPr marL="285750" indent="-285750" algn="l">
+              <a:buFont typeface="Arial" panose="020B0604020202020204" pitchFamily="34" charset="0"/>
+              <a:buChar char="•"/>
+            </a:pPr>
+            <a:r>
+              <a:rPr lang="en-GB" sz="1400" dirty="0"/>
+              <a:t>1 server</a:t>
+            </a:r>
+            <a:endParaRPr lang="en-GB" sz="1600" dirty="0"/>
+          </a:p>
+          <a:p>
+            <a:pPr marL="285750" indent="-285750" algn="l">
+              <a:buFont typeface="Arial" panose="020B0604020202020204" pitchFamily="34" charset="0"/>
+              <a:buChar char="•"/>
+            </a:pPr>
             <a:endParaRPr lang="en-GB" sz="1400" dirty="0"/>
           </a:p>
         </p:txBody>
@@ -5343,4 +6267,299 @@
     </a:ext>
   </a:extLst>
 </a:theme>
+</file>
+
+<file path=ppt/theme/theme2.xml><?xml version="1.0" encoding="utf-8"?>
+<a:theme xmlns:a="http://schemas.openxmlformats.org/drawingml/2006/main" name="Office Theme">
+  <a:themeElements>
+    <a:clrScheme name="Office">
+      <a:dk1>
+        <a:sysClr val="windowText" lastClr="000000"/>
+      </a:dk1>
+      <a:lt1>
+        <a:sysClr val="window" lastClr="FFFFFF"/>
+      </a:lt1>
+      <a:dk2>
+        <a:srgbClr val="44546A"/>
+      </a:dk2>
+      <a:lt2>
+        <a:srgbClr val="E7E6E6"/>
+      </a:lt2>
+      <a:accent1>
+        <a:srgbClr val="4472C4"/>
+      </a:accent1>
+      <a:accent2>
+        <a:srgbClr val="ED7D31"/>
+      </a:accent2>
+      <a:accent3>
+        <a:srgbClr val="A5A5A5"/>
+      </a:accent3>
+      <a:accent4>
+        <a:srgbClr val="FFC000"/>
+      </a:accent4>
+      <a:accent5>
+        <a:srgbClr val="5B9BD5"/>
+      </a:accent5>
+      <a:accent6>
+        <a:srgbClr val="70AD47"/>
+      </a:accent6>
+      <a:hlink>
+        <a:srgbClr val="0563C1"/>
+      </a:hlink>
+      <a:folHlink>
+        <a:srgbClr val="954F72"/>
+      </a:folHlink>
+    </a:clrScheme>
+    <a:fontScheme name="Office">
+      <a:majorFont>
+        <a:latin typeface="Calibri Light" panose="020F0302020204030204"/>
+        <a:ea typeface=""/>
+        <a:cs typeface=""/>
+        <a:font script="Jpan" typeface="游ゴシック Light"/>
+        <a:font script="Hang" typeface="맑은 고딕"/>
+        <a:font script="Hans" typeface="等线 Light"/>
+        <a:font script="Hant" typeface="新細明體"/>
+        <a:font script="Arab" typeface="Times New Roman"/>
+        <a:font script="Hebr" typeface="Times New Roman"/>
+        <a:font script="Thai" typeface="Angsana New"/>
+        <a:font script="Ethi" typeface="Nyala"/>
+        <a:font script="Beng" typeface="Vrinda"/>
+        <a:font script="Gujr" typeface="Shruti"/>
+        <a:font script="Khmr" typeface="MoolBoran"/>
+        <a:font script="Knda" typeface="Tunga"/>
+        <a:font script="Guru" typeface="Raavi"/>
+        <a:font script="Cans" typeface="Euphemia"/>
+        <a:font script="Cher" typeface="Plantagenet Cherokee"/>
+        <a:font script="Yiii" typeface="Microsoft Yi Baiti"/>
+        <a:font script="Tibt" typeface="Microsoft Himalaya"/>
+        <a:font script="Thaa" typeface="MV Boli"/>
+        <a:font script="Deva" typeface="Mangal"/>
+        <a:font script="Telu" typeface="Gautami"/>
+        <a:font script="Taml" typeface="Latha"/>
+        <a:font script="Syrc" typeface="Estrangelo Edessa"/>
+        <a:font script="Orya" typeface="Kalinga"/>
+        <a:font script="Mlym" typeface="Kartika"/>
+        <a:font script="Laoo" typeface="DokChampa"/>
+        <a:font script="Sinh" typeface="Iskoola Pota"/>
+        <a:font script="Mong" typeface="Mongolian Baiti"/>
+        <a:font script="Viet" typeface="Times New Roman"/>
+        <a:font script="Uigh" typeface="Microsoft Uighur"/>
+        <a:font script="Geor" typeface="Sylfaen"/>
+        <a:font script="Armn" typeface="Arial"/>
+        <a:font script="Bugi" typeface="Leelawadee UI"/>
+        <a:font script="Bopo" typeface="Microsoft JhengHei"/>
+        <a:font script="Java" typeface="Javanese Text"/>
+        <a:font script="Lisu" typeface="Segoe UI"/>
+        <a:font script="Mymr" typeface="Myanmar Text"/>
+        <a:font script="Nkoo" typeface="Ebrima"/>
+        <a:font script="Olck" typeface="Nirmala UI"/>
+        <a:font script="Osma" typeface="Ebrima"/>
+        <a:font script="Phag" typeface="Phagspa"/>
+        <a:font script="Syrn" typeface="Estrangelo Edessa"/>
+        <a:font script="Syrj" typeface="Estrangelo Edessa"/>
+        <a:font script="Syre" typeface="Estrangelo Edessa"/>
+        <a:font script="Sora" typeface="Nirmala UI"/>
+        <a:font script="Tale" typeface="Microsoft Tai Le"/>
+        <a:font script="Talu" typeface="Microsoft New Tai Lue"/>
+        <a:font script="Tfng" typeface="Ebrima"/>
+      </a:majorFont>
+      <a:minorFont>
+        <a:latin typeface="Calibri" panose="020F0502020204030204"/>
+        <a:ea typeface=""/>
+        <a:cs typeface=""/>
+        <a:font script="Jpan" typeface="游ゴシック"/>
+        <a:font script="Hang" typeface="맑은 고딕"/>
+        <a:font script="Hans" typeface="等线"/>
+        <a:font script="Hant" typeface="新細明體"/>
+        <a:font script="Arab" typeface="Arial"/>
+        <a:font script="Hebr" typeface="Arial"/>
+        <a:font script="Thai" typeface="Cordia New"/>
+        <a:font script="Ethi" typeface="Nyala"/>
+        <a:font script="Beng" typeface="Vrinda"/>
+        <a:font script="Gujr" typeface="Shruti"/>
+        <a:font script="Khmr" typeface="DaunPenh"/>
+        <a:font script="Knda" typeface="Tunga"/>
+        <a:font script="Guru" typeface="Raavi"/>
+        <a:font script="Cans" typeface="Euphemia"/>
+        <a:font script="Cher" typeface="Plantagenet Cherokee"/>
+        <a:font script="Yiii" typeface="Microsoft Yi Baiti"/>
+        <a:font script="Tibt" typeface="Microsoft Himalaya"/>
+        <a:font script="Thaa" typeface="MV Boli"/>
+        <a:font script="Deva" typeface="Mangal"/>
+        <a:font script="Telu" typeface="Gautami"/>
+        <a:font script="Taml" typeface="Latha"/>
+        <a:font script="Syrc" typeface="Estrangelo Edessa"/>
+        <a:font script="Orya" typeface="Kalinga"/>
+        <a:font script="Mlym" typeface="Kartika"/>
+        <a:font script="Laoo" typeface="DokChampa"/>
+        <a:font script="Sinh" typeface="Iskoola Pota"/>
+        <a:font script="Mong" typeface="Mongolian Baiti"/>
+        <a:font script="Viet" typeface="Arial"/>
+        <a:font script="Uigh" typeface="Microsoft Uighur"/>
+        <a:font script="Geor" typeface="Sylfaen"/>
+        <a:font script="Armn" typeface="Arial"/>
+        <a:font script="Bugi" typeface="Leelawadee UI"/>
+        <a:font script="Bopo" typeface="Microsoft JhengHei"/>
+        <a:font script="Java" typeface="Javanese Text"/>
+        <a:font script="Lisu" typeface="Segoe UI"/>
+        <a:font script="Mymr" typeface="Myanmar Text"/>
+        <a:font script="Nkoo" typeface="Ebrima"/>
+        <a:font script="Olck" typeface="Nirmala UI"/>
+        <a:font script="Osma" typeface="Ebrima"/>
+        <a:font script="Phag" typeface="Phagspa"/>
+        <a:font script="Syrn" typeface="Estrangelo Edessa"/>
+        <a:font script="Syrj" typeface="Estrangelo Edessa"/>
+        <a:font script="Syre" typeface="Estrangelo Edessa"/>
+        <a:font script="Sora" typeface="Nirmala UI"/>
+        <a:font script="Tale" typeface="Microsoft Tai Le"/>
+        <a:font script="Talu" typeface="Microsoft New Tai Lue"/>
+        <a:font script="Tfng" typeface="Ebrima"/>
+      </a:minorFont>
+    </a:fontScheme>
+    <a:fmtScheme name="Office">
+      <a:fillStyleLst>
+        <a:solidFill>
+          <a:schemeClr val="phClr"/>
+        </a:solidFill>
+        <a:gradFill rotWithShape="1">
+          <a:gsLst>
+            <a:gs pos="0">
+              <a:schemeClr val="phClr">
+                <a:lumMod val="110000"/>
+                <a:satMod val="105000"/>
+                <a:tint val="67000"/>
+              </a:schemeClr>
+            </a:gs>
+            <a:gs pos="50000">
+              <a:schemeClr val="phClr">
+                <a:lumMod val="105000"/>
+                <a:satMod val="103000"/>
+                <a:tint val="73000"/>
+              </a:schemeClr>
+            </a:gs>
+            <a:gs pos="100000">
+              <a:schemeClr val="phClr">
+                <a:lumMod val="105000"/>
+                <a:satMod val="109000"/>
+                <a:tint val="81000"/>
+              </a:schemeClr>
+            </a:gs>
+          </a:gsLst>
+          <a:lin ang="5400000" scaled="0"/>
+        </a:gradFill>
+        <a:gradFill rotWithShape="1">
+          <a:gsLst>
+            <a:gs pos="0">
+              <a:schemeClr val="phClr">
+                <a:satMod val="103000"/>
+                <a:lumMod val="102000"/>
+                <a:tint val="94000"/>
+              </a:schemeClr>
+            </a:gs>
+            <a:gs pos="50000">
+              <a:schemeClr val="phClr">
+                <a:satMod val="110000"/>
+                <a:lumMod val="100000"/>
+                <a:shade val="100000"/>
+              </a:schemeClr>
+            </a:gs>
+            <a:gs pos="100000">
+              <a:schemeClr val="phClr">
+                <a:lumMod val="99000"/>
+                <a:satMod val="120000"/>
+                <a:shade val="78000"/>
+              </a:schemeClr>
+            </a:gs>
+          </a:gsLst>
+          <a:lin ang="5400000" scaled="0"/>
+        </a:gradFill>
+      </a:fillStyleLst>
+      <a:lnStyleLst>
+        <a:ln w="6350" cap="flat" cmpd="sng" algn="ctr">
+          <a:solidFill>
+            <a:schemeClr val="phClr"/>
+          </a:solidFill>
+          <a:prstDash val="solid"/>
+          <a:miter lim="800000"/>
+        </a:ln>
+        <a:ln w="12700" cap="flat" cmpd="sng" algn="ctr">
+          <a:solidFill>
+            <a:schemeClr val="phClr"/>
+          </a:solidFill>
+          <a:prstDash val="solid"/>
+          <a:miter lim="800000"/>
+        </a:ln>
+        <a:ln w="19050" cap="flat" cmpd="sng" algn="ctr">
+          <a:solidFill>
+            <a:schemeClr val="phClr"/>
+          </a:solidFill>
+          <a:prstDash val="solid"/>
+          <a:miter lim="800000"/>
+        </a:ln>
+      </a:lnStyleLst>
+      <a:effectStyleLst>
+        <a:effectStyle>
+          <a:effectLst/>
+        </a:effectStyle>
+        <a:effectStyle>
+          <a:effectLst/>
+        </a:effectStyle>
+        <a:effectStyle>
+          <a:effectLst>
+            <a:outerShdw blurRad="57150" dist="19050" dir="5400000" algn="ctr" rotWithShape="0">
+              <a:srgbClr val="000000">
+                <a:alpha val="63000"/>
+              </a:srgbClr>
+            </a:outerShdw>
+          </a:effectLst>
+        </a:effectStyle>
+      </a:effectStyleLst>
+      <a:bgFillStyleLst>
+        <a:solidFill>
+          <a:schemeClr val="phClr"/>
+        </a:solidFill>
+        <a:solidFill>
+          <a:schemeClr val="phClr">
+            <a:tint val="95000"/>
+            <a:satMod val="170000"/>
+          </a:schemeClr>
+        </a:solidFill>
+        <a:gradFill rotWithShape="1">
+          <a:gsLst>
+            <a:gs pos="0">
+              <a:schemeClr val="phClr">
+                <a:tint val="93000"/>
+                <a:satMod val="150000"/>
+                <a:shade val="98000"/>
+                <a:lumMod val="102000"/>
+              </a:schemeClr>
+            </a:gs>
+            <a:gs pos="50000">
+              <a:schemeClr val="phClr">
+                <a:tint val="98000"/>
+                <a:satMod val="130000"/>
+                <a:shade val="90000"/>
+                <a:lumMod val="103000"/>
+              </a:schemeClr>
+            </a:gs>
+            <a:gs pos="100000">
+              <a:schemeClr val="phClr">
+                <a:shade val="63000"/>
+                <a:satMod val="120000"/>
+              </a:schemeClr>
+            </a:gs>
+          </a:gsLst>
+          <a:lin ang="5400000" scaled="0"/>
+        </a:gradFill>
+      </a:bgFillStyleLst>
+    </a:fmtScheme>
+  </a:themeElements>
+  <a:objectDefaults/>
+  <a:extraClrSchemeLst/>
+  <a:extLst>
+    <a:ext uri="{05A4C25C-085E-4340-85A3-A5531E510DB2}">
+      <thm15:themeFamily xmlns:thm15="http://schemas.microsoft.com/office/thememl/2012/main" name="Office Theme" id="{62F939B6-93AF-4DB8-9C6B-D6C7DFDC589F}" vid="{4A3C46E8-61CC-4603-A589-7422A47A8E4A}"/>
+    </a:ext>
+  </a:extLst>
+</a:theme>
 </file>